--- a/Research/Food Delivery Chatbot.pptx
+++ b/Research/Food Delivery Chatbot.pptx
@@ -13,6 +13,11 @@
     <p:sldId id="261" r:id="rId7"/>
     <p:sldId id="262" r:id="rId8"/>
     <p:sldId id="263" r:id="rId9"/>
+    <p:sldId id="264" r:id="rId10"/>
+    <p:sldId id="265" r:id="rId11"/>
+    <p:sldId id="266" r:id="rId12"/>
+    <p:sldId id="267" r:id="rId13"/>
+    <p:sldId id="268" r:id="rId14"/>
   </p:sldIdLst>
   <p:sldSz cx="12192000" cy="6858000"/>
   <p:notesSz cx="6858000" cy="9144000"/>
@@ -268,9 +273,9 @@
           <a:p>
             <a:fld id="{D9EF0707-5472-4E8F-B7E1-AD5D9A5AA4DF}" type="datetimeFigureOut">
               <a:rPr lang="en-IN" smtClean="0"/>
-              <a:t>28-01-2022</a:t>
+              <a:t>31-01-2022</a:t>
             </a:fld>
-            <a:endParaRPr lang="en-IN"/>
+            <a:endParaRPr lang="en-IN" dirty="0"/>
           </a:p>
         </p:txBody>
       </p:sp>
@@ -295,7 +300,7 @@
           <a:bodyPr/>
           <a:lstStyle/>
           <a:p>
-            <a:endParaRPr lang="en-IN"/>
+            <a:endParaRPr lang="en-IN" dirty="0"/>
           </a:p>
         </p:txBody>
       </p:sp>
@@ -324,7 +329,7 @@
               <a:rPr lang="en-IN" smtClean="0"/>
               <a:t>‹#›</a:t>
             </a:fld>
-            <a:endParaRPr lang="en-IN"/>
+            <a:endParaRPr lang="en-IN" dirty="0"/>
           </a:p>
         </p:txBody>
       </p:sp>
@@ -468,9 +473,9 @@
           <a:p>
             <a:fld id="{D9EF0707-5472-4E8F-B7E1-AD5D9A5AA4DF}" type="datetimeFigureOut">
               <a:rPr lang="en-IN" smtClean="0"/>
-              <a:t>28-01-2022</a:t>
+              <a:t>31-01-2022</a:t>
             </a:fld>
-            <a:endParaRPr lang="en-IN"/>
+            <a:endParaRPr lang="en-IN" dirty="0"/>
           </a:p>
         </p:txBody>
       </p:sp>
@@ -495,7 +500,7 @@
           <a:bodyPr/>
           <a:lstStyle/>
           <a:p>
-            <a:endParaRPr lang="en-IN"/>
+            <a:endParaRPr lang="en-IN" dirty="0"/>
           </a:p>
         </p:txBody>
       </p:sp>
@@ -524,7 +529,7 @@
               <a:rPr lang="en-IN" smtClean="0"/>
               <a:t>‹#›</a:t>
             </a:fld>
-            <a:endParaRPr lang="en-IN"/>
+            <a:endParaRPr lang="en-IN" dirty="0"/>
           </a:p>
         </p:txBody>
       </p:sp>
@@ -678,9 +683,9 @@
           <a:p>
             <a:fld id="{D9EF0707-5472-4E8F-B7E1-AD5D9A5AA4DF}" type="datetimeFigureOut">
               <a:rPr lang="en-IN" smtClean="0"/>
-              <a:t>28-01-2022</a:t>
+              <a:t>31-01-2022</a:t>
             </a:fld>
-            <a:endParaRPr lang="en-IN"/>
+            <a:endParaRPr lang="en-IN" dirty="0"/>
           </a:p>
         </p:txBody>
       </p:sp>
@@ -705,7 +710,7 @@
           <a:bodyPr/>
           <a:lstStyle/>
           <a:p>
-            <a:endParaRPr lang="en-IN"/>
+            <a:endParaRPr lang="en-IN" dirty="0"/>
           </a:p>
         </p:txBody>
       </p:sp>
@@ -734,7 +739,7 @@
               <a:rPr lang="en-IN" smtClean="0"/>
               <a:t>‹#›</a:t>
             </a:fld>
-            <a:endParaRPr lang="en-IN"/>
+            <a:endParaRPr lang="en-IN" dirty="0"/>
           </a:p>
         </p:txBody>
       </p:sp>
@@ -878,9 +883,9 @@
           <a:p>
             <a:fld id="{D9EF0707-5472-4E8F-B7E1-AD5D9A5AA4DF}" type="datetimeFigureOut">
               <a:rPr lang="en-IN" smtClean="0"/>
-              <a:t>28-01-2022</a:t>
+              <a:t>31-01-2022</a:t>
             </a:fld>
-            <a:endParaRPr lang="en-IN"/>
+            <a:endParaRPr lang="en-IN" dirty="0"/>
           </a:p>
         </p:txBody>
       </p:sp>
@@ -905,7 +910,7 @@
           <a:bodyPr/>
           <a:lstStyle/>
           <a:p>
-            <a:endParaRPr lang="en-IN"/>
+            <a:endParaRPr lang="en-IN" dirty="0"/>
           </a:p>
         </p:txBody>
       </p:sp>
@@ -934,7 +939,7 @@
               <a:rPr lang="en-IN" smtClean="0"/>
               <a:t>‹#›</a:t>
             </a:fld>
-            <a:endParaRPr lang="en-IN"/>
+            <a:endParaRPr lang="en-IN" dirty="0"/>
           </a:p>
         </p:txBody>
       </p:sp>
@@ -1154,9 +1159,9 @@
           <a:p>
             <a:fld id="{D9EF0707-5472-4E8F-B7E1-AD5D9A5AA4DF}" type="datetimeFigureOut">
               <a:rPr lang="en-IN" smtClean="0"/>
-              <a:t>28-01-2022</a:t>
+              <a:t>31-01-2022</a:t>
             </a:fld>
-            <a:endParaRPr lang="en-IN"/>
+            <a:endParaRPr lang="en-IN" dirty="0"/>
           </a:p>
         </p:txBody>
       </p:sp>
@@ -1181,7 +1186,7 @@
           <a:bodyPr/>
           <a:lstStyle/>
           <a:p>
-            <a:endParaRPr lang="en-IN"/>
+            <a:endParaRPr lang="en-IN" dirty="0"/>
           </a:p>
         </p:txBody>
       </p:sp>
@@ -1210,7 +1215,7 @@
               <a:rPr lang="en-IN" smtClean="0"/>
               <a:t>‹#›</a:t>
             </a:fld>
-            <a:endParaRPr lang="en-IN"/>
+            <a:endParaRPr lang="en-IN" dirty="0"/>
           </a:p>
         </p:txBody>
       </p:sp>
@@ -1422,9 +1427,9 @@
           <a:p>
             <a:fld id="{D9EF0707-5472-4E8F-B7E1-AD5D9A5AA4DF}" type="datetimeFigureOut">
               <a:rPr lang="en-IN" smtClean="0"/>
-              <a:t>28-01-2022</a:t>
+              <a:t>31-01-2022</a:t>
             </a:fld>
-            <a:endParaRPr lang="en-IN"/>
+            <a:endParaRPr lang="en-IN" dirty="0"/>
           </a:p>
         </p:txBody>
       </p:sp>
@@ -1449,7 +1454,7 @@
           <a:bodyPr/>
           <a:lstStyle/>
           <a:p>
-            <a:endParaRPr lang="en-IN"/>
+            <a:endParaRPr lang="en-IN" dirty="0"/>
           </a:p>
         </p:txBody>
       </p:sp>
@@ -1478,7 +1483,7 @@
               <a:rPr lang="en-IN" smtClean="0"/>
               <a:t>‹#›</a:t>
             </a:fld>
-            <a:endParaRPr lang="en-IN"/>
+            <a:endParaRPr lang="en-IN" dirty="0"/>
           </a:p>
         </p:txBody>
       </p:sp>
@@ -1837,9 +1842,9 @@
           <a:p>
             <a:fld id="{D9EF0707-5472-4E8F-B7E1-AD5D9A5AA4DF}" type="datetimeFigureOut">
               <a:rPr lang="en-IN" smtClean="0"/>
-              <a:t>28-01-2022</a:t>
+              <a:t>31-01-2022</a:t>
             </a:fld>
-            <a:endParaRPr lang="en-IN"/>
+            <a:endParaRPr lang="en-IN" dirty="0"/>
           </a:p>
         </p:txBody>
       </p:sp>
@@ -1864,7 +1869,7 @@
           <a:bodyPr/>
           <a:lstStyle/>
           <a:p>
-            <a:endParaRPr lang="en-IN"/>
+            <a:endParaRPr lang="en-IN" dirty="0"/>
           </a:p>
         </p:txBody>
       </p:sp>
@@ -1893,7 +1898,7 @@
               <a:rPr lang="en-IN" smtClean="0"/>
               <a:t>‹#›</a:t>
             </a:fld>
-            <a:endParaRPr lang="en-IN"/>
+            <a:endParaRPr lang="en-IN" dirty="0"/>
           </a:p>
         </p:txBody>
       </p:sp>
@@ -1979,9 +1984,9 @@
           <a:p>
             <a:fld id="{D9EF0707-5472-4E8F-B7E1-AD5D9A5AA4DF}" type="datetimeFigureOut">
               <a:rPr lang="en-IN" smtClean="0"/>
-              <a:t>28-01-2022</a:t>
+              <a:t>31-01-2022</a:t>
             </a:fld>
-            <a:endParaRPr lang="en-IN"/>
+            <a:endParaRPr lang="en-IN" dirty="0"/>
           </a:p>
         </p:txBody>
       </p:sp>
@@ -2006,7 +2011,7 @@
           <a:bodyPr/>
           <a:lstStyle/>
           <a:p>
-            <a:endParaRPr lang="en-IN"/>
+            <a:endParaRPr lang="en-IN" dirty="0"/>
           </a:p>
         </p:txBody>
       </p:sp>
@@ -2035,7 +2040,7 @@
               <a:rPr lang="en-IN" smtClean="0"/>
               <a:t>‹#›</a:t>
             </a:fld>
-            <a:endParaRPr lang="en-IN"/>
+            <a:endParaRPr lang="en-IN" dirty="0"/>
           </a:p>
         </p:txBody>
       </p:sp>
@@ -2092,9 +2097,9 @@
           <a:p>
             <a:fld id="{D9EF0707-5472-4E8F-B7E1-AD5D9A5AA4DF}" type="datetimeFigureOut">
               <a:rPr lang="en-IN" smtClean="0"/>
-              <a:t>28-01-2022</a:t>
+              <a:t>31-01-2022</a:t>
             </a:fld>
-            <a:endParaRPr lang="en-IN"/>
+            <a:endParaRPr lang="en-IN" dirty="0"/>
           </a:p>
         </p:txBody>
       </p:sp>
@@ -2119,7 +2124,7 @@
           <a:bodyPr/>
           <a:lstStyle/>
           <a:p>
-            <a:endParaRPr lang="en-IN"/>
+            <a:endParaRPr lang="en-IN" dirty="0"/>
           </a:p>
         </p:txBody>
       </p:sp>
@@ -2148,7 +2153,7 @@
               <a:rPr lang="en-IN" smtClean="0"/>
               <a:t>‹#›</a:t>
             </a:fld>
-            <a:endParaRPr lang="en-IN"/>
+            <a:endParaRPr lang="en-IN" dirty="0"/>
           </a:p>
         </p:txBody>
       </p:sp>
@@ -2405,9 +2410,9 @@
           <a:p>
             <a:fld id="{D9EF0707-5472-4E8F-B7E1-AD5D9A5AA4DF}" type="datetimeFigureOut">
               <a:rPr lang="en-IN" smtClean="0"/>
-              <a:t>28-01-2022</a:t>
+              <a:t>31-01-2022</a:t>
             </a:fld>
-            <a:endParaRPr lang="en-IN"/>
+            <a:endParaRPr lang="en-IN" dirty="0"/>
           </a:p>
         </p:txBody>
       </p:sp>
@@ -2432,7 +2437,7 @@
           <a:bodyPr/>
           <a:lstStyle/>
           <a:p>
-            <a:endParaRPr lang="en-IN"/>
+            <a:endParaRPr lang="en-IN" dirty="0"/>
           </a:p>
         </p:txBody>
       </p:sp>
@@ -2461,7 +2466,7 @@
               <a:rPr lang="en-IN" smtClean="0"/>
               <a:t>‹#›</a:t>
             </a:fld>
-            <a:endParaRPr lang="en-IN"/>
+            <a:endParaRPr lang="en-IN" dirty="0"/>
           </a:p>
         </p:txBody>
       </p:sp>
@@ -2596,7 +2601,7 @@
             </a:lvl9pPr>
           </a:lstStyle>
           <a:p>
-            <a:endParaRPr lang="en-IN"/>
+            <a:endParaRPr lang="en-IN" dirty="0"/>
           </a:p>
         </p:txBody>
       </p:sp>
@@ -2694,9 +2699,9 @@
           <a:p>
             <a:fld id="{D9EF0707-5472-4E8F-B7E1-AD5D9A5AA4DF}" type="datetimeFigureOut">
               <a:rPr lang="en-IN" smtClean="0"/>
-              <a:t>28-01-2022</a:t>
+              <a:t>31-01-2022</a:t>
             </a:fld>
-            <a:endParaRPr lang="en-IN"/>
+            <a:endParaRPr lang="en-IN" dirty="0"/>
           </a:p>
         </p:txBody>
       </p:sp>
@@ -2721,7 +2726,7 @@
           <a:bodyPr/>
           <a:lstStyle/>
           <a:p>
-            <a:endParaRPr lang="en-IN"/>
+            <a:endParaRPr lang="en-IN" dirty="0"/>
           </a:p>
         </p:txBody>
       </p:sp>
@@ -2750,7 +2755,7 @@
               <a:rPr lang="en-IN" smtClean="0"/>
               <a:t>‹#›</a:t>
             </a:fld>
-            <a:endParaRPr lang="en-IN"/>
+            <a:endParaRPr lang="en-IN" dirty="0"/>
           </a:p>
         </p:txBody>
       </p:sp>
@@ -2937,9 +2942,9 @@
           <a:p>
             <a:fld id="{D9EF0707-5472-4E8F-B7E1-AD5D9A5AA4DF}" type="datetimeFigureOut">
               <a:rPr lang="en-IN" smtClean="0"/>
-              <a:t>28-01-2022</a:t>
+              <a:t>31-01-2022</a:t>
             </a:fld>
-            <a:endParaRPr lang="en-IN"/>
+            <a:endParaRPr lang="en-IN" dirty="0"/>
           </a:p>
         </p:txBody>
       </p:sp>
@@ -2982,7 +2987,7 @@
             </a:lvl1pPr>
           </a:lstStyle>
           <a:p>
-            <a:endParaRPr lang="en-IN"/>
+            <a:endParaRPr lang="en-IN" dirty="0"/>
           </a:p>
         </p:txBody>
       </p:sp>
@@ -3029,7 +3034,7 @@
               <a:rPr lang="en-IN" smtClean="0"/>
               <a:t>‹#›</a:t>
             </a:fld>
-            <a:endParaRPr lang="en-IN"/>
+            <a:endParaRPr lang="en-IN" dirty="0"/>
           </a:p>
         </p:txBody>
       </p:sp>
@@ -3370,7 +3375,12 @@
             <p:ph type="ctrTitle"/>
           </p:nvPr>
         </p:nvSpPr>
-        <p:spPr/>
+        <p:spPr>
+          <a:xfrm>
+            <a:off x="1524000" y="1360803"/>
+            <a:ext cx="9144000" cy="1434406"/>
+          </a:xfrm>
+        </p:spPr>
         <p:txBody>
           <a:bodyPr/>
           <a:lstStyle/>
@@ -3399,14 +3409,93 @@
             <p:ph type="subTitle" idx="1"/>
           </p:nvPr>
         </p:nvSpPr>
-        <p:spPr/>
+        <p:spPr>
+          <a:xfrm>
+            <a:off x="1358284" y="3053842"/>
+            <a:ext cx="9144000" cy="375158"/>
+          </a:xfrm>
+        </p:spPr>
         <p:txBody>
-          <a:bodyPr/>
+          <a:bodyPr>
+            <a:normAutofit fontScale="92500" lnSpcReduction="10000"/>
+          </a:bodyPr>
           <a:lstStyle/>
           <a:p>
             <a:r>
               <a:rPr lang="en-US" dirty="0"/>
-              <a:t>Group-4 </a:t>
+              <a:t>Group-4</a:t>
+            </a:r>
+          </a:p>
+          <a:p>
+            <a:endParaRPr lang="en-IN" dirty="0"/>
+          </a:p>
+        </p:txBody>
+      </p:sp>
+      <p:sp>
+        <p:nvSpPr>
+          <p:cNvPr id="4" name="TextBox 3">
+            <a:extLst>
+              <a:ext uri="{FF2B5EF4-FFF2-40B4-BE49-F238E27FC236}">
+                <a16:creationId xmlns:a16="http://schemas.microsoft.com/office/drawing/2014/main" id="{6881DB32-3E1B-4C78-A697-7A3D2FD79459}"/>
+              </a:ext>
+            </a:extLst>
+          </p:cNvPr>
+          <p:cNvSpPr txBox="1"/>
+          <p:nvPr/>
+        </p:nvSpPr>
+        <p:spPr>
+          <a:xfrm>
+            <a:off x="9605640" y="5380672"/>
+            <a:ext cx="2361460" cy="1477328"/>
+          </a:xfrm>
+          <a:prstGeom prst="rect">
+            <a:avLst/>
+          </a:prstGeom>
+          <a:noFill/>
+        </p:spPr>
+        <p:txBody>
+          <a:bodyPr wrap="square" rtlCol="0">
+            <a:spAutoFit/>
+          </a:bodyPr>
+          <a:lstStyle/>
+          <a:p>
+            <a:pPr marL="342900" indent="-342900" algn="l">
+              <a:buFont typeface="Arial" panose="020B0604020202020204" pitchFamily="34" charset="0"/>
+              <a:buChar char="•"/>
+            </a:pPr>
+            <a:r>
+              <a:rPr lang="en-US" dirty="0"/>
+              <a:t>Pradnya Patil</a:t>
+            </a:r>
+          </a:p>
+          <a:p>
+            <a:pPr marL="342900" indent="-342900" algn="l">
+              <a:buFont typeface="Arial" panose="020B0604020202020204" pitchFamily="34" charset="0"/>
+              <a:buChar char="•"/>
+            </a:pPr>
+            <a:r>
+              <a:rPr lang="en-US" dirty="0"/>
+              <a:t>Akshay  Sonawane</a:t>
+            </a:r>
+          </a:p>
+          <a:p>
+            <a:pPr marL="342900" indent="-342900" algn="l">
+              <a:buFont typeface="Arial" panose="020B0604020202020204" pitchFamily="34" charset="0"/>
+              <a:buChar char="•"/>
+            </a:pPr>
+            <a:r>
+              <a:rPr lang="en-US" dirty="0"/>
+              <a:t>Nikita Kodam</a:t>
+            </a:r>
+          </a:p>
+          <a:p>
+            <a:pPr marL="342900" indent="-342900" algn="l">
+              <a:buFont typeface="Arial" panose="020B0604020202020204" pitchFamily="34" charset="0"/>
+              <a:buChar char="•"/>
+            </a:pPr>
+            <a:r>
+              <a:rPr lang="en-US" dirty="0"/>
+              <a:t>Mrunal Chaudhari</a:t>
             </a:r>
           </a:p>
           <a:p>
@@ -3418,6 +3507,2967 @@
     <p:extLst>
       <p:ext uri="{BB962C8B-B14F-4D97-AF65-F5344CB8AC3E}">
         <p14:creationId xmlns:p14="http://schemas.microsoft.com/office/powerpoint/2010/main" val="118274504"/>
+      </p:ext>
+    </p:extLst>
+  </p:cSld>
+  <p:clrMapOvr>
+    <a:masterClrMapping/>
+  </p:clrMapOvr>
+</p:sld>
+</file>
+
+<file path=ppt/slides/slide10.xml><?xml version="1.0" encoding="utf-8"?>
+<p:sld xmlns:a="http://schemas.openxmlformats.org/drawingml/2006/main" xmlns:r="http://schemas.openxmlformats.org/officeDocument/2006/relationships" xmlns:p="http://schemas.openxmlformats.org/presentationml/2006/main">
+  <p:cSld>
+    <p:spTree>
+      <p:nvGrpSpPr>
+        <p:cNvPr id="1" name=""/>
+        <p:cNvGrpSpPr/>
+        <p:nvPr/>
+      </p:nvGrpSpPr>
+      <p:grpSpPr>
+        <a:xfrm>
+          <a:off x="0" y="0"/>
+          <a:ext cx="0" cy="0"/>
+          <a:chOff x="0" y="0"/>
+          <a:chExt cx="0" cy="0"/>
+        </a:xfrm>
+      </p:grpSpPr>
+      <p:sp>
+        <p:nvSpPr>
+          <p:cNvPr id="2" name="TextBox 1">
+            <a:extLst>
+              <a:ext uri="{FF2B5EF4-FFF2-40B4-BE49-F238E27FC236}">
+                <a16:creationId xmlns:a16="http://schemas.microsoft.com/office/drawing/2014/main" id="{A86246CA-DF05-44CF-BCC1-B2F63B261924}"/>
+              </a:ext>
+            </a:extLst>
+          </p:cNvPr>
+          <p:cNvSpPr txBox="1"/>
+          <p:nvPr/>
+        </p:nvSpPr>
+        <p:spPr>
+          <a:xfrm>
+            <a:off x="3104225" y="284085"/>
+            <a:ext cx="5983549" cy="830997"/>
+          </a:xfrm>
+          <a:prstGeom prst="rect">
+            <a:avLst/>
+          </a:prstGeom>
+          <a:noFill/>
+        </p:spPr>
+        <p:txBody>
+          <a:bodyPr wrap="square" rtlCol="0">
+            <a:spAutoFit/>
+          </a:bodyPr>
+          <a:lstStyle/>
+          <a:p>
+            <a:pPr algn="ctr"/>
+            <a:r>
+              <a:rPr lang="en-US" sz="4800" dirty="0"/>
+              <a:t>Intent Classification</a:t>
+            </a:r>
+            <a:endParaRPr lang="en-IN" sz="4800" dirty="0"/>
+          </a:p>
+        </p:txBody>
+      </p:sp>
+      <p:sp>
+        <p:nvSpPr>
+          <p:cNvPr id="3" name="TextBox 2">
+            <a:extLst>
+              <a:ext uri="{FF2B5EF4-FFF2-40B4-BE49-F238E27FC236}">
+                <a16:creationId xmlns:a16="http://schemas.microsoft.com/office/drawing/2014/main" id="{FA5B4444-E3F6-4A2B-861D-F44A8E812345}"/>
+              </a:ext>
+            </a:extLst>
+          </p:cNvPr>
+          <p:cNvSpPr txBox="1"/>
+          <p:nvPr/>
+        </p:nvSpPr>
+        <p:spPr>
+          <a:xfrm>
+            <a:off x="1766656" y="1420427"/>
+            <a:ext cx="9614517" cy="4955203"/>
+          </a:xfrm>
+          <a:prstGeom prst="rect">
+            <a:avLst/>
+          </a:prstGeom>
+          <a:noFill/>
+        </p:spPr>
+        <p:txBody>
+          <a:bodyPr wrap="square" rtlCol="0">
+            <a:spAutoFit/>
+          </a:bodyPr>
+          <a:lstStyle/>
+          <a:p>
+            <a:r>
+              <a:rPr lang="en-US" sz="2800" dirty="0"/>
+              <a:t>Intents list: </a:t>
+            </a:r>
+            <a:r>
+              <a:rPr lang="en-US" sz="2800" dirty="0">
+                <a:hlinkClick r:id="rId2"/>
+              </a:rPr>
+              <a:t>Dataset</a:t>
+            </a:r>
+            <a:endParaRPr lang="en-US" sz="2800" dirty="0"/>
+          </a:p>
+          <a:p>
+            <a:endParaRPr lang="en-US" sz="2800" dirty="0"/>
+          </a:p>
+          <a:p>
+            <a:pPr marL="285750" indent="-285750">
+              <a:buFont typeface="Arial" panose="020B0604020202020204" pitchFamily="34" charset="0"/>
+              <a:buChar char="•"/>
+            </a:pPr>
+            <a:r>
+              <a:rPr lang="en-US" sz="2000" dirty="0"/>
+              <a:t>Greetings</a:t>
+            </a:r>
+          </a:p>
+          <a:p>
+            <a:pPr marL="285750" indent="-285750">
+              <a:buFont typeface="Arial" panose="020B0604020202020204" pitchFamily="34" charset="0"/>
+              <a:buChar char="•"/>
+            </a:pPr>
+            <a:r>
+              <a:rPr lang="en-US" sz="2000" dirty="0"/>
+              <a:t>Table booking</a:t>
+            </a:r>
+          </a:p>
+          <a:p>
+            <a:pPr marL="285750" indent="-285750">
+              <a:buFont typeface="Arial" panose="020B0604020202020204" pitchFamily="34" charset="0"/>
+              <a:buChar char="•"/>
+            </a:pPr>
+            <a:r>
+              <a:rPr lang="en-US" sz="2000" dirty="0"/>
+              <a:t>Table availability</a:t>
+            </a:r>
+          </a:p>
+          <a:p>
+            <a:pPr marL="285750" indent="-285750">
+              <a:buFont typeface="Arial" panose="020B0604020202020204" pitchFamily="34" charset="0"/>
+              <a:buChar char="•"/>
+            </a:pPr>
+            <a:r>
+              <a:rPr lang="en-US" sz="2000" dirty="0"/>
+              <a:t>Menu</a:t>
+            </a:r>
+          </a:p>
+          <a:p>
+            <a:pPr marL="285750" indent="-285750">
+              <a:buFont typeface="Arial" panose="020B0604020202020204" pitchFamily="34" charset="0"/>
+              <a:buChar char="•"/>
+            </a:pPr>
+            <a:r>
+              <a:rPr lang="en-US" sz="2000" dirty="0"/>
+              <a:t>Contact and address details</a:t>
+            </a:r>
+          </a:p>
+          <a:p>
+            <a:pPr marL="285750" indent="-285750">
+              <a:buFont typeface="Arial" panose="020B0604020202020204" pitchFamily="34" charset="0"/>
+              <a:buChar char="•"/>
+            </a:pPr>
+            <a:r>
+              <a:rPr lang="en-US" sz="2000" dirty="0"/>
+              <a:t>Offers</a:t>
+            </a:r>
+          </a:p>
+          <a:p>
+            <a:pPr marL="285750" indent="-285750">
+              <a:buFont typeface="Arial" panose="020B0604020202020204" pitchFamily="34" charset="0"/>
+              <a:buChar char="•"/>
+            </a:pPr>
+            <a:r>
+              <a:rPr lang="en-US" sz="2000" dirty="0"/>
+              <a:t>Positive/Negative feedback</a:t>
+            </a:r>
+          </a:p>
+          <a:p>
+            <a:pPr marL="285750" indent="-285750">
+              <a:buFont typeface="Arial" panose="020B0604020202020204" pitchFamily="34" charset="0"/>
+              <a:buChar char="•"/>
+            </a:pPr>
+            <a:r>
+              <a:rPr lang="en-US" sz="2000" dirty="0"/>
+              <a:t>Veg/nonveg/vegan food enquiry</a:t>
+            </a:r>
+          </a:p>
+          <a:p>
+            <a:pPr marL="285750" indent="-285750">
+              <a:buFont typeface="Arial" panose="020B0604020202020204" pitchFamily="34" charset="0"/>
+              <a:buChar char="•"/>
+            </a:pPr>
+            <a:r>
+              <a:rPr lang="en-US" sz="2000" dirty="0"/>
+              <a:t>Order status</a:t>
+            </a:r>
+          </a:p>
+          <a:p>
+            <a:pPr marL="285750" indent="-285750">
+              <a:buFont typeface="Arial" panose="020B0604020202020204" pitchFamily="34" charset="0"/>
+              <a:buChar char="•"/>
+            </a:pPr>
+            <a:r>
+              <a:rPr lang="en-US" sz="2000" dirty="0"/>
+              <a:t>Suggestions</a:t>
+            </a:r>
+          </a:p>
+          <a:p>
+            <a:pPr marL="285750" indent="-285750">
+              <a:buFont typeface="Arial" panose="020B0604020202020204" pitchFamily="34" charset="0"/>
+              <a:buChar char="•"/>
+            </a:pPr>
+            <a:r>
+              <a:rPr lang="en-US" sz="2000" dirty="0"/>
+              <a:t>Queries related to payments, recipes, delivery</a:t>
+            </a:r>
+          </a:p>
+          <a:p>
+            <a:pPr marL="285750" indent="-285750">
+              <a:buFont typeface="Arial" panose="020B0604020202020204" pitchFamily="34" charset="0"/>
+              <a:buChar char="•"/>
+            </a:pPr>
+            <a:r>
+              <a:rPr lang="en-US" sz="2000" dirty="0"/>
+              <a:t>Closure</a:t>
+            </a:r>
+          </a:p>
+          <a:p>
+            <a:pPr marL="285750" indent="-285750">
+              <a:buFont typeface="Arial" panose="020B0604020202020204" pitchFamily="34" charset="0"/>
+              <a:buChar char="•"/>
+            </a:pPr>
+            <a:r>
+              <a:rPr lang="en-US" sz="2000" dirty="0"/>
+              <a:t>Ratings</a:t>
+            </a:r>
+            <a:endParaRPr lang="en-IN" sz="2000" dirty="0"/>
+          </a:p>
+        </p:txBody>
+      </p:sp>
+    </p:spTree>
+    <p:extLst>
+      <p:ext uri="{BB962C8B-B14F-4D97-AF65-F5344CB8AC3E}">
+        <p14:creationId xmlns:p14="http://schemas.microsoft.com/office/powerpoint/2010/main" val="1666394682"/>
+      </p:ext>
+    </p:extLst>
+  </p:cSld>
+  <p:clrMapOvr>
+    <a:masterClrMapping/>
+  </p:clrMapOvr>
+</p:sld>
+</file>
+
+<file path=ppt/slides/slide11.xml><?xml version="1.0" encoding="utf-8"?>
+<p:sld xmlns:a="http://schemas.openxmlformats.org/drawingml/2006/main" xmlns:r="http://schemas.openxmlformats.org/officeDocument/2006/relationships" xmlns:p="http://schemas.openxmlformats.org/presentationml/2006/main">
+  <p:cSld>
+    <p:spTree>
+      <p:nvGrpSpPr>
+        <p:cNvPr id="1" name=""/>
+        <p:cNvGrpSpPr/>
+        <p:nvPr/>
+      </p:nvGrpSpPr>
+      <p:grpSpPr>
+        <a:xfrm>
+          <a:off x="0" y="0"/>
+          <a:ext cx="0" cy="0"/>
+          <a:chOff x="0" y="0"/>
+          <a:chExt cx="0" cy="0"/>
+        </a:xfrm>
+      </p:grpSpPr>
+      <p:grpSp>
+        <p:nvGrpSpPr>
+          <p:cNvPr id="2103" name="Group 2102">
+            <a:extLst>
+              <a:ext uri="{FF2B5EF4-FFF2-40B4-BE49-F238E27FC236}">
+                <a16:creationId xmlns:a16="http://schemas.microsoft.com/office/drawing/2014/main" id="{DA3BE6BF-1100-45A8-B9EA-280ECC16E563}"/>
+              </a:ext>
+            </a:extLst>
+          </p:cNvPr>
+          <p:cNvGrpSpPr/>
+          <p:nvPr/>
+        </p:nvGrpSpPr>
+        <p:grpSpPr>
+          <a:xfrm>
+            <a:off x="150920" y="159798"/>
+            <a:ext cx="12450693" cy="6570030"/>
+            <a:chOff x="150920" y="159798"/>
+            <a:chExt cx="12450693" cy="6570030"/>
+          </a:xfrm>
+        </p:grpSpPr>
+        <p:sp>
+          <p:nvSpPr>
+            <p:cNvPr id="22" name="Rectangle 21">
+              <a:extLst>
+                <a:ext uri="{FF2B5EF4-FFF2-40B4-BE49-F238E27FC236}">
+                  <a16:creationId xmlns:a16="http://schemas.microsoft.com/office/drawing/2014/main" id="{51B90F19-95BF-4615-9F3D-5197A521E89B}"/>
+                </a:ext>
+              </a:extLst>
+            </p:cNvPr>
+            <p:cNvSpPr/>
+            <p:nvPr/>
+          </p:nvSpPr>
+          <p:spPr>
+            <a:xfrm>
+              <a:off x="3655529" y="1423229"/>
+              <a:ext cx="3623470" cy="2571598"/>
+            </a:xfrm>
+            <a:prstGeom prst="rect">
+              <a:avLst/>
+            </a:prstGeom>
+            <a:solidFill>
+              <a:schemeClr val="accent6">
+                <a:lumMod val="20000"/>
+                <a:lumOff val="80000"/>
+                <a:alpha val="80000"/>
+              </a:schemeClr>
+            </a:solidFill>
+          </p:spPr>
+          <p:style>
+            <a:lnRef idx="2">
+              <a:schemeClr val="accent1">
+                <a:shade val="50000"/>
+              </a:schemeClr>
+            </a:lnRef>
+            <a:fillRef idx="1">
+              <a:schemeClr val="accent1"/>
+            </a:fillRef>
+            <a:effectRef idx="0">
+              <a:schemeClr val="accent1"/>
+            </a:effectRef>
+            <a:fontRef idx="minor">
+              <a:schemeClr val="lt1"/>
+            </a:fontRef>
+          </p:style>
+          <p:txBody>
+            <a:bodyPr rtlCol="0" anchor="ctr"/>
+            <a:lstStyle/>
+            <a:p>
+              <a:pPr algn="ctr"/>
+              <a:endParaRPr lang="en-IN"/>
+            </a:p>
+          </p:txBody>
+        </p:sp>
+        <p:sp>
+          <p:nvSpPr>
+            <p:cNvPr id="2" name="TextBox 1">
+              <a:extLst>
+                <a:ext uri="{FF2B5EF4-FFF2-40B4-BE49-F238E27FC236}">
+                  <a16:creationId xmlns:a16="http://schemas.microsoft.com/office/drawing/2014/main" id="{FA561DE4-8DDC-4DA0-81FA-91D68B901F16}"/>
+                </a:ext>
+              </a:extLst>
+            </p:cNvPr>
+            <p:cNvSpPr txBox="1"/>
+            <p:nvPr/>
+          </p:nvSpPr>
+          <p:spPr>
+            <a:xfrm>
+              <a:off x="3771071" y="2889029"/>
+              <a:ext cx="3301013" cy="923330"/>
+            </a:xfrm>
+            <a:prstGeom prst="rect">
+              <a:avLst/>
+            </a:prstGeom>
+          </p:spPr>
+          <p:style>
+            <a:lnRef idx="2">
+              <a:schemeClr val="dk1"/>
+            </a:lnRef>
+            <a:fillRef idx="1">
+              <a:schemeClr val="lt1"/>
+            </a:fillRef>
+            <a:effectRef idx="0">
+              <a:schemeClr val="dk1"/>
+            </a:effectRef>
+            <a:fontRef idx="minor">
+              <a:schemeClr val="dk1"/>
+            </a:fontRef>
+          </p:style>
+          <p:txBody>
+            <a:bodyPr wrap="square" rtlCol="0">
+              <a:spAutoFit/>
+            </a:bodyPr>
+            <a:lstStyle/>
+            <a:p>
+              <a:r>
+                <a:rPr lang="en-US" dirty="0"/>
+                <a:t>Preprocessor.py</a:t>
+              </a:r>
+            </a:p>
+            <a:p>
+              <a:r>
+                <a:rPr lang="en-IN" sz="1200" b="0" dirty="0">
+                  <a:solidFill>
+                    <a:srgbClr val="795E26"/>
+                  </a:solidFill>
+                  <a:effectLst/>
+                  <a:latin typeface="Courier New" panose="02070309020205020404" pitchFamily="49" charset="0"/>
+                </a:rPr>
+                <a:t>lemmatize_sentence()</a:t>
+              </a:r>
+            </a:p>
+            <a:p>
+              <a:r>
+                <a:rPr lang="en-IN" sz="1200" b="0" dirty="0">
+                  <a:solidFill>
+                    <a:srgbClr val="795E26"/>
+                  </a:solidFill>
+                  <a:effectLst/>
+                  <a:latin typeface="Courier New" panose="02070309020205020404" pitchFamily="49" charset="0"/>
+                </a:rPr>
+                <a:t>tokenize_and_remove_punctuation()</a:t>
+              </a:r>
+            </a:p>
+            <a:p>
+              <a:r>
+                <a:rPr lang="en-IN" sz="1200" b="0" dirty="0">
+                  <a:solidFill>
+                    <a:srgbClr val="795E26"/>
+                  </a:solidFill>
+                  <a:effectLst/>
+                  <a:latin typeface="Courier New" panose="02070309020205020404" pitchFamily="49" charset="0"/>
+                </a:rPr>
+                <a:t>remove_stopwords</a:t>
+              </a:r>
+              <a:r>
+                <a:rPr lang="en-IN" sz="1200" dirty="0">
+                  <a:solidFill>
+                    <a:srgbClr val="795E26"/>
+                  </a:solidFill>
+                  <a:latin typeface="Courier New" panose="02070309020205020404" pitchFamily="49" charset="0"/>
+                </a:rPr>
+                <a:t>()</a:t>
+              </a:r>
+              <a:endParaRPr lang="en-IN" sz="1200" b="0" dirty="0">
+                <a:solidFill>
+                  <a:srgbClr val="795E26"/>
+                </a:solidFill>
+                <a:effectLst/>
+                <a:latin typeface="Courier New" panose="02070309020205020404" pitchFamily="49" charset="0"/>
+              </a:endParaRPr>
+            </a:p>
+          </p:txBody>
+        </p:sp>
+        <p:sp>
+          <p:nvSpPr>
+            <p:cNvPr id="3" name="TextBox 2">
+              <a:extLst>
+                <a:ext uri="{FF2B5EF4-FFF2-40B4-BE49-F238E27FC236}">
+                  <a16:creationId xmlns:a16="http://schemas.microsoft.com/office/drawing/2014/main" id="{910DF7FC-7310-4A38-B7D3-E5758A8AC120}"/>
+                </a:ext>
+              </a:extLst>
+            </p:cNvPr>
+            <p:cNvSpPr txBox="1"/>
+            <p:nvPr/>
+          </p:nvSpPr>
+          <p:spPr>
+            <a:xfrm>
+              <a:off x="4267023" y="1657477"/>
+              <a:ext cx="2386614" cy="923330"/>
+            </a:xfrm>
+            <a:prstGeom prst="rect">
+              <a:avLst/>
+            </a:prstGeom>
+          </p:spPr>
+          <p:style>
+            <a:lnRef idx="2">
+              <a:schemeClr val="dk1"/>
+            </a:lnRef>
+            <a:fillRef idx="1">
+              <a:schemeClr val="lt1"/>
+            </a:fillRef>
+            <a:effectRef idx="0">
+              <a:schemeClr val="dk1"/>
+            </a:effectRef>
+            <a:fontRef idx="minor">
+              <a:schemeClr val="dk1"/>
+            </a:fontRef>
+          </p:style>
+          <p:txBody>
+            <a:bodyPr wrap="square" rtlCol="0">
+              <a:spAutoFit/>
+            </a:bodyPr>
+            <a:lstStyle/>
+            <a:p>
+              <a:r>
+                <a:rPr lang="en-US" dirty="0"/>
+                <a:t>Embedding.py</a:t>
+              </a:r>
+            </a:p>
+            <a:p>
+              <a:r>
+                <a:rPr lang="en-IN" sz="1200" b="0" dirty="0">
+                  <a:solidFill>
+                    <a:srgbClr val="795E26"/>
+                  </a:solidFill>
+                  <a:effectLst/>
+                  <a:latin typeface="Courier New" panose="02070309020205020404" pitchFamily="49" charset="0"/>
+                </a:rPr>
+                <a:t>parse_data()</a:t>
+              </a:r>
+            </a:p>
+            <a:p>
+              <a:r>
+                <a:rPr lang="en-IN" sz="1200" b="0" dirty="0">
+                  <a:solidFill>
+                    <a:srgbClr val="795E26"/>
+                  </a:solidFill>
+                  <a:effectLst/>
+                  <a:latin typeface="Courier New" panose="02070309020205020404" pitchFamily="49" charset="0"/>
+                </a:rPr>
+                <a:t>embed_sentence()</a:t>
+              </a:r>
+            </a:p>
+            <a:p>
+              <a:r>
+                <a:rPr lang="en-IN" sz="1200" b="0" dirty="0">
+                  <a:solidFill>
+                    <a:srgbClr val="795E26"/>
+                  </a:solidFill>
+                  <a:effectLst/>
+                  <a:latin typeface="Courier New" panose="02070309020205020404" pitchFamily="49" charset="0"/>
+                </a:rPr>
+                <a:t>write_embedded_data</a:t>
+              </a:r>
+              <a:r>
+                <a:rPr lang="en-IN" sz="1200" dirty="0">
+                  <a:solidFill>
+                    <a:srgbClr val="795E26"/>
+                  </a:solidFill>
+                  <a:latin typeface="Courier New" panose="02070309020205020404" pitchFamily="49" charset="0"/>
+                </a:rPr>
+                <a:t>()</a:t>
+              </a:r>
+              <a:endParaRPr lang="en-IN" sz="1200" b="0" dirty="0">
+                <a:solidFill>
+                  <a:srgbClr val="795E26"/>
+                </a:solidFill>
+                <a:effectLst/>
+                <a:latin typeface="Courier New" panose="02070309020205020404" pitchFamily="49" charset="0"/>
+              </a:endParaRPr>
+            </a:p>
+          </p:txBody>
+        </p:sp>
+        <p:sp>
+          <p:nvSpPr>
+            <p:cNvPr id="4" name="TextBox 3">
+              <a:extLst>
+                <a:ext uri="{FF2B5EF4-FFF2-40B4-BE49-F238E27FC236}">
+                  <a16:creationId xmlns:a16="http://schemas.microsoft.com/office/drawing/2014/main" id="{8FFC4A7F-1BDD-4D8A-857A-3AD4AAC425F1}"/>
+                </a:ext>
+              </a:extLst>
+            </p:cNvPr>
+            <p:cNvSpPr txBox="1"/>
+            <p:nvPr/>
+          </p:nvSpPr>
+          <p:spPr>
+            <a:xfrm>
+              <a:off x="10277547" y="2188210"/>
+              <a:ext cx="1439660" cy="553998"/>
+            </a:xfrm>
+            <a:prstGeom prst="rect">
+              <a:avLst/>
+            </a:prstGeom>
+          </p:spPr>
+          <p:style>
+            <a:lnRef idx="2">
+              <a:schemeClr val="dk1"/>
+            </a:lnRef>
+            <a:fillRef idx="1">
+              <a:schemeClr val="lt1"/>
+            </a:fillRef>
+            <a:effectRef idx="0">
+              <a:schemeClr val="dk1"/>
+            </a:effectRef>
+            <a:fontRef idx="minor">
+              <a:schemeClr val="dk1"/>
+            </a:fontRef>
+          </p:style>
+          <p:txBody>
+            <a:bodyPr wrap="square" rtlCol="0">
+              <a:spAutoFit/>
+            </a:bodyPr>
+            <a:lstStyle/>
+            <a:p>
+              <a:r>
+                <a:rPr lang="en-US" dirty="0"/>
+                <a:t>Classifier.py</a:t>
+              </a:r>
+            </a:p>
+            <a:p>
+              <a:r>
+                <a:rPr lang="en-IN" sz="1200" b="1" dirty="0">
+                  <a:solidFill>
+                    <a:srgbClr val="795E26"/>
+                  </a:solidFill>
+                  <a:effectLst/>
+                  <a:highlight>
+                    <a:srgbClr val="FFFF00"/>
+                  </a:highlight>
+                  <a:latin typeface="Courier New" panose="02070309020205020404" pitchFamily="49" charset="0"/>
+                </a:rPr>
+                <a:t>TODO</a:t>
+              </a:r>
+            </a:p>
+          </p:txBody>
+        </p:sp>
+        <p:sp>
+          <p:nvSpPr>
+            <p:cNvPr id="5" name="TextBox 4">
+              <a:extLst>
+                <a:ext uri="{FF2B5EF4-FFF2-40B4-BE49-F238E27FC236}">
+                  <a16:creationId xmlns:a16="http://schemas.microsoft.com/office/drawing/2014/main" id="{EF3BA336-EB5B-4839-B5C4-F21E820DA561}"/>
+                </a:ext>
+              </a:extLst>
+            </p:cNvPr>
+            <p:cNvSpPr txBox="1"/>
+            <p:nvPr/>
+          </p:nvSpPr>
+          <p:spPr>
+            <a:xfrm>
+              <a:off x="2031887" y="1688793"/>
+              <a:ext cx="1343119" cy="938719"/>
+            </a:xfrm>
+            <a:prstGeom prst="rect">
+              <a:avLst/>
+            </a:prstGeom>
+          </p:spPr>
+          <p:style>
+            <a:lnRef idx="2">
+              <a:schemeClr val="dk1"/>
+            </a:lnRef>
+            <a:fillRef idx="1">
+              <a:schemeClr val="lt1"/>
+            </a:fillRef>
+            <a:effectRef idx="0">
+              <a:schemeClr val="dk1"/>
+            </a:effectRef>
+            <a:fontRef idx="minor">
+              <a:schemeClr val="dk1"/>
+            </a:fontRef>
+          </p:style>
+          <p:txBody>
+            <a:bodyPr wrap="square" rtlCol="0">
+              <a:spAutoFit/>
+            </a:bodyPr>
+            <a:lstStyle/>
+            <a:p>
+              <a:pPr algn="just"/>
+              <a:r>
+                <a:rPr lang="en-US" sz="1100" b="1" dirty="0">
+                  <a:solidFill>
+                    <a:srgbClr val="202124"/>
+                  </a:solidFill>
+                  <a:latin typeface="arial" panose="020B0604020202020204" pitchFamily="34" charset="0"/>
+                </a:rPr>
+                <a:t>L</a:t>
+              </a:r>
+              <a:r>
+                <a:rPr lang="en-US" sz="1100" b="1" i="0" dirty="0">
+                  <a:solidFill>
+                    <a:srgbClr val="202124"/>
+                  </a:solidFill>
+                  <a:effectLst/>
+                  <a:latin typeface="arial" panose="020B0604020202020204" pitchFamily="34" charset="0"/>
+                </a:rPr>
+                <a:t>ibrary for learning of word embeddings and text classification</a:t>
+              </a:r>
+              <a:endParaRPr lang="en-IN" sz="1100" dirty="0"/>
+            </a:p>
+          </p:txBody>
+        </p:sp>
+        <p:sp>
+          <p:nvSpPr>
+            <p:cNvPr id="6" name="TextBox 5">
+              <a:extLst>
+                <a:ext uri="{FF2B5EF4-FFF2-40B4-BE49-F238E27FC236}">
+                  <a16:creationId xmlns:a16="http://schemas.microsoft.com/office/drawing/2014/main" id="{EEEAE58A-1D41-410E-8914-239AA5770EB9}"/>
+                </a:ext>
+              </a:extLst>
+            </p:cNvPr>
+            <p:cNvSpPr txBox="1"/>
+            <p:nvPr/>
+          </p:nvSpPr>
+          <p:spPr>
+            <a:xfrm>
+              <a:off x="462931" y="1228598"/>
+              <a:ext cx="992819" cy="261610"/>
+            </a:xfrm>
+            <a:prstGeom prst="rect">
+              <a:avLst/>
+            </a:prstGeom>
+          </p:spPr>
+          <p:style>
+            <a:lnRef idx="2">
+              <a:schemeClr val="dk1"/>
+            </a:lnRef>
+            <a:fillRef idx="1">
+              <a:schemeClr val="lt1"/>
+            </a:fillRef>
+            <a:effectRef idx="0">
+              <a:schemeClr val="dk1"/>
+            </a:effectRef>
+            <a:fontRef idx="minor">
+              <a:schemeClr val="dk1"/>
+            </a:fontRef>
+          </p:style>
+          <p:txBody>
+            <a:bodyPr wrap="square" rtlCol="0">
+              <a:spAutoFit/>
+            </a:bodyPr>
+            <a:lstStyle/>
+            <a:p>
+              <a:pPr algn="ctr"/>
+              <a:r>
+                <a:rPr lang="en-US" sz="1100" dirty="0">
+                  <a:solidFill>
+                    <a:srgbClr val="202124"/>
+                  </a:solidFill>
+                  <a:latin typeface="arial" panose="020B0604020202020204" pitchFamily="34" charset="0"/>
+                </a:rPr>
+                <a:t>fastText</a:t>
+              </a:r>
+              <a:endParaRPr lang="en-IN" sz="1100" dirty="0"/>
+            </a:p>
+          </p:txBody>
+        </p:sp>
+        <p:sp>
+          <p:nvSpPr>
+            <p:cNvPr id="7" name="TextBox 6">
+              <a:extLst>
+                <a:ext uri="{FF2B5EF4-FFF2-40B4-BE49-F238E27FC236}">
+                  <a16:creationId xmlns:a16="http://schemas.microsoft.com/office/drawing/2014/main" id="{79D5359F-B6E4-4726-91FC-1ECC93B028FD}"/>
+                </a:ext>
+              </a:extLst>
+            </p:cNvPr>
+            <p:cNvSpPr txBox="1"/>
+            <p:nvPr/>
+          </p:nvSpPr>
+          <p:spPr>
+            <a:xfrm>
+              <a:off x="435748" y="2027348"/>
+              <a:ext cx="992819" cy="261610"/>
+            </a:xfrm>
+            <a:prstGeom prst="rect">
+              <a:avLst/>
+            </a:prstGeom>
+          </p:spPr>
+          <p:style>
+            <a:lnRef idx="2">
+              <a:schemeClr val="dk1"/>
+            </a:lnRef>
+            <a:fillRef idx="1">
+              <a:schemeClr val="lt1"/>
+            </a:fillRef>
+            <a:effectRef idx="0">
+              <a:schemeClr val="dk1"/>
+            </a:effectRef>
+            <a:fontRef idx="minor">
+              <a:schemeClr val="dk1"/>
+            </a:fontRef>
+          </p:style>
+          <p:txBody>
+            <a:bodyPr wrap="square" rtlCol="0">
+              <a:spAutoFit/>
+            </a:bodyPr>
+            <a:lstStyle/>
+            <a:p>
+              <a:pPr algn="ctr"/>
+              <a:r>
+                <a:rPr lang="en-US" sz="1100" dirty="0">
+                  <a:solidFill>
+                    <a:srgbClr val="202124"/>
+                  </a:solidFill>
+                  <a:latin typeface="arial" panose="020B0604020202020204" pitchFamily="34" charset="0"/>
+                </a:rPr>
+                <a:t>RASA NLU</a:t>
+              </a:r>
+              <a:endParaRPr lang="en-IN" sz="1100" dirty="0"/>
+            </a:p>
+          </p:txBody>
+        </p:sp>
+        <p:sp>
+          <p:nvSpPr>
+            <p:cNvPr id="8" name="TextBox 7">
+              <a:extLst>
+                <a:ext uri="{FF2B5EF4-FFF2-40B4-BE49-F238E27FC236}">
+                  <a16:creationId xmlns:a16="http://schemas.microsoft.com/office/drawing/2014/main" id="{4F370820-CDED-4BDE-BC65-A8E93CF513D0}"/>
+                </a:ext>
+              </a:extLst>
+            </p:cNvPr>
+            <p:cNvSpPr txBox="1"/>
+            <p:nvPr/>
+          </p:nvSpPr>
+          <p:spPr>
+            <a:xfrm>
+              <a:off x="429088" y="2858149"/>
+              <a:ext cx="992819" cy="261610"/>
+            </a:xfrm>
+            <a:prstGeom prst="rect">
+              <a:avLst/>
+            </a:prstGeom>
+          </p:spPr>
+          <p:style>
+            <a:lnRef idx="2">
+              <a:schemeClr val="dk1"/>
+            </a:lnRef>
+            <a:fillRef idx="1">
+              <a:schemeClr val="lt1"/>
+            </a:fillRef>
+            <a:effectRef idx="0">
+              <a:schemeClr val="dk1"/>
+            </a:effectRef>
+            <a:fontRef idx="minor">
+              <a:schemeClr val="dk1"/>
+            </a:fontRef>
+          </p:style>
+          <p:txBody>
+            <a:bodyPr wrap="square" rtlCol="0">
+              <a:spAutoFit/>
+            </a:bodyPr>
+            <a:lstStyle/>
+            <a:p>
+              <a:pPr algn="ctr"/>
+              <a:r>
+                <a:rPr lang="en-US" sz="1100" dirty="0">
+                  <a:solidFill>
+                    <a:srgbClr val="202124"/>
+                  </a:solidFill>
+                  <a:latin typeface="arial" panose="020B0604020202020204" pitchFamily="34" charset="0"/>
+                </a:rPr>
+                <a:t>Gensim</a:t>
+              </a:r>
+              <a:endParaRPr lang="en-IN" sz="1100" dirty="0"/>
+            </a:p>
+          </p:txBody>
+        </p:sp>
+        <p:sp>
+          <p:nvSpPr>
+            <p:cNvPr id="19" name="TextBox 18">
+              <a:extLst>
+                <a:ext uri="{FF2B5EF4-FFF2-40B4-BE49-F238E27FC236}">
+                  <a16:creationId xmlns:a16="http://schemas.microsoft.com/office/drawing/2014/main" id="{B37A283E-81B4-4D9B-B9F7-37D877134585}"/>
+                </a:ext>
+              </a:extLst>
+            </p:cNvPr>
+            <p:cNvSpPr txBox="1"/>
+            <p:nvPr/>
+          </p:nvSpPr>
+          <p:spPr>
+            <a:xfrm>
+              <a:off x="3950838" y="4424246"/>
+              <a:ext cx="3074712" cy="369332"/>
+            </a:xfrm>
+            <a:prstGeom prst="rect">
+              <a:avLst/>
+            </a:prstGeom>
+          </p:spPr>
+          <p:style>
+            <a:lnRef idx="2">
+              <a:schemeClr val="dk1"/>
+            </a:lnRef>
+            <a:fillRef idx="1">
+              <a:schemeClr val="lt1"/>
+            </a:fillRef>
+            <a:effectRef idx="0">
+              <a:schemeClr val="dk1"/>
+            </a:effectRef>
+            <a:fontRef idx="minor">
+              <a:schemeClr val="dk1"/>
+            </a:fontRef>
+          </p:style>
+          <p:txBody>
+            <a:bodyPr wrap="square" rtlCol="0">
+              <a:spAutoFit/>
+            </a:bodyPr>
+            <a:lstStyle/>
+            <a:p>
+              <a:r>
+                <a:rPr lang="en-US" b="1" dirty="0">
+                  <a:solidFill>
+                    <a:srgbClr val="795E26"/>
+                  </a:solidFill>
+                  <a:latin typeface="Courier New" panose="02070309020205020404" pitchFamily="49" charset="0"/>
+                </a:rPr>
+                <a:t>Message from the user</a:t>
+              </a:r>
+              <a:endParaRPr lang="en-IN" b="1" dirty="0">
+                <a:solidFill>
+                  <a:srgbClr val="795E26"/>
+                </a:solidFill>
+                <a:effectLst/>
+                <a:latin typeface="Courier New" panose="02070309020205020404" pitchFamily="49" charset="0"/>
+              </a:endParaRPr>
+            </a:p>
+          </p:txBody>
+        </p:sp>
+        <p:cxnSp>
+          <p:nvCxnSpPr>
+            <p:cNvPr id="24" name="Straight Arrow Connector 23">
+              <a:extLst>
+                <a:ext uri="{FF2B5EF4-FFF2-40B4-BE49-F238E27FC236}">
+                  <a16:creationId xmlns:a16="http://schemas.microsoft.com/office/drawing/2014/main" id="{0C2E70CB-661D-4305-944D-0CACDC046851}"/>
+                </a:ext>
+              </a:extLst>
+            </p:cNvPr>
+            <p:cNvCxnSpPr>
+              <a:cxnSpLocks/>
+              <a:stCxn id="32" idx="3"/>
+              <a:endCxn id="4" idx="1"/>
+            </p:cNvCxnSpPr>
+            <p:nvPr/>
+          </p:nvCxnSpPr>
+          <p:spPr>
+            <a:xfrm>
+              <a:off x="9596416" y="2465209"/>
+              <a:ext cx="681131" cy="0"/>
+            </a:xfrm>
+            <a:prstGeom prst="straightConnector1">
+              <a:avLst/>
+            </a:prstGeom>
+            <a:ln>
+              <a:tailEnd type="triangle"/>
+            </a:ln>
+          </p:spPr>
+          <p:style>
+            <a:lnRef idx="1">
+              <a:schemeClr val="accent1"/>
+            </a:lnRef>
+            <a:fillRef idx="0">
+              <a:schemeClr val="accent1"/>
+            </a:fillRef>
+            <a:effectRef idx="0">
+              <a:schemeClr val="accent1"/>
+            </a:effectRef>
+            <a:fontRef idx="minor">
+              <a:schemeClr val="tx1"/>
+            </a:fontRef>
+          </p:style>
+        </p:cxnSp>
+        <p:cxnSp>
+          <p:nvCxnSpPr>
+            <p:cNvPr id="31" name="Straight Arrow Connector 30">
+              <a:extLst>
+                <a:ext uri="{FF2B5EF4-FFF2-40B4-BE49-F238E27FC236}">
+                  <a16:creationId xmlns:a16="http://schemas.microsoft.com/office/drawing/2014/main" id="{67EC7A5B-4344-4915-AA93-36DA7231F9BF}"/>
+                </a:ext>
+              </a:extLst>
+            </p:cNvPr>
+            <p:cNvCxnSpPr>
+              <a:cxnSpLocks/>
+            </p:cNvCxnSpPr>
+            <p:nvPr/>
+          </p:nvCxnSpPr>
+          <p:spPr>
+            <a:xfrm>
+              <a:off x="5401316" y="2595387"/>
+              <a:ext cx="0" cy="293642"/>
+            </a:xfrm>
+            <a:prstGeom prst="straightConnector1">
+              <a:avLst/>
+            </a:prstGeom>
+            <a:ln>
+              <a:tailEnd type="triangle"/>
+            </a:ln>
+          </p:spPr>
+          <p:style>
+            <a:lnRef idx="1">
+              <a:schemeClr val="accent1"/>
+            </a:lnRef>
+            <a:fillRef idx="0">
+              <a:schemeClr val="accent1"/>
+            </a:fillRef>
+            <a:effectRef idx="0">
+              <a:schemeClr val="accent1"/>
+            </a:effectRef>
+            <a:fontRef idx="minor">
+              <a:schemeClr val="tx1"/>
+            </a:fontRef>
+          </p:style>
+        </p:cxnSp>
+        <p:sp>
+          <p:nvSpPr>
+            <p:cNvPr id="32" name="TextBox 31">
+              <a:extLst>
+                <a:ext uri="{FF2B5EF4-FFF2-40B4-BE49-F238E27FC236}">
+                  <a16:creationId xmlns:a16="http://schemas.microsoft.com/office/drawing/2014/main" id="{A8DABCF9-ECBA-489C-991A-8D05657774D0}"/>
+                </a:ext>
+              </a:extLst>
+            </p:cNvPr>
+            <p:cNvSpPr txBox="1"/>
+            <p:nvPr/>
+          </p:nvSpPr>
+          <p:spPr>
+            <a:xfrm>
+              <a:off x="7628534" y="2188210"/>
+              <a:ext cx="1967882" cy="553998"/>
+            </a:xfrm>
+            <a:prstGeom prst="rect">
+              <a:avLst/>
+            </a:prstGeom>
+          </p:spPr>
+          <p:style>
+            <a:lnRef idx="2">
+              <a:schemeClr val="dk1"/>
+            </a:lnRef>
+            <a:fillRef idx="1">
+              <a:schemeClr val="lt1"/>
+            </a:fillRef>
+            <a:effectRef idx="0">
+              <a:schemeClr val="dk1"/>
+            </a:effectRef>
+            <a:fontRef idx="minor">
+              <a:schemeClr val="dk1"/>
+            </a:fontRef>
+          </p:style>
+          <p:txBody>
+            <a:bodyPr wrap="square" rtlCol="0">
+              <a:spAutoFit/>
+            </a:bodyPr>
+            <a:lstStyle/>
+            <a:p>
+              <a:r>
+                <a:rPr lang="en-US" dirty="0"/>
+                <a:t>Embedded output</a:t>
+              </a:r>
+            </a:p>
+            <a:p>
+              <a:r>
+                <a:rPr lang="en-IN" sz="1200" b="1" dirty="0" err="1">
+                  <a:solidFill>
+                    <a:srgbClr val="795E26"/>
+                  </a:solidFill>
+                  <a:highlight>
+                    <a:srgbClr val="FFFF00"/>
+                  </a:highlight>
+                  <a:latin typeface="Courier New" panose="02070309020205020404" pitchFamily="49" charset="0"/>
+                </a:rPr>
+                <a:t>Embedded_data.json</a:t>
+              </a:r>
+              <a:endParaRPr lang="en-IN" sz="1200" b="1" dirty="0">
+                <a:solidFill>
+                  <a:srgbClr val="795E26"/>
+                </a:solidFill>
+                <a:effectLst/>
+                <a:highlight>
+                  <a:srgbClr val="FFFF00"/>
+                </a:highlight>
+                <a:latin typeface="Courier New" panose="02070309020205020404" pitchFamily="49" charset="0"/>
+              </a:endParaRPr>
+            </a:p>
+          </p:txBody>
+        </p:sp>
+        <p:cxnSp>
+          <p:nvCxnSpPr>
+            <p:cNvPr id="41" name="Straight Arrow Connector 40">
+              <a:extLst>
+                <a:ext uri="{FF2B5EF4-FFF2-40B4-BE49-F238E27FC236}">
+                  <a16:creationId xmlns:a16="http://schemas.microsoft.com/office/drawing/2014/main" id="{63C44205-B3DA-47FF-B647-50EBD34BA1A0}"/>
+                </a:ext>
+              </a:extLst>
+            </p:cNvPr>
+            <p:cNvCxnSpPr>
+              <a:cxnSpLocks/>
+              <a:stCxn id="6" idx="3"/>
+            </p:cNvCxnSpPr>
+            <p:nvPr/>
+          </p:nvCxnSpPr>
+          <p:spPr>
+            <a:xfrm>
+              <a:off x="1455750" y="1359403"/>
+              <a:ext cx="603320" cy="664142"/>
+            </a:xfrm>
+            <a:prstGeom prst="straightConnector1">
+              <a:avLst/>
+            </a:prstGeom>
+            <a:ln>
+              <a:tailEnd type="triangle"/>
+            </a:ln>
+          </p:spPr>
+          <p:style>
+            <a:lnRef idx="1">
+              <a:schemeClr val="accent1"/>
+            </a:lnRef>
+            <a:fillRef idx="0">
+              <a:schemeClr val="accent1"/>
+            </a:fillRef>
+            <a:effectRef idx="0">
+              <a:schemeClr val="accent1"/>
+            </a:effectRef>
+            <a:fontRef idx="minor">
+              <a:schemeClr val="tx1"/>
+            </a:fontRef>
+          </p:style>
+        </p:cxnSp>
+        <p:cxnSp>
+          <p:nvCxnSpPr>
+            <p:cNvPr id="43" name="Straight Arrow Connector 42">
+              <a:extLst>
+                <a:ext uri="{FF2B5EF4-FFF2-40B4-BE49-F238E27FC236}">
+                  <a16:creationId xmlns:a16="http://schemas.microsoft.com/office/drawing/2014/main" id="{3541D2C7-F7A9-406E-8441-44760B729708}"/>
+                </a:ext>
+              </a:extLst>
+            </p:cNvPr>
+            <p:cNvCxnSpPr>
+              <a:stCxn id="7" idx="3"/>
+              <a:endCxn id="5" idx="1"/>
+            </p:cNvCxnSpPr>
+            <p:nvPr/>
+          </p:nvCxnSpPr>
+          <p:spPr>
+            <a:xfrm>
+              <a:off x="1428567" y="2158153"/>
+              <a:ext cx="603320" cy="0"/>
+            </a:xfrm>
+            <a:prstGeom prst="straightConnector1">
+              <a:avLst/>
+            </a:prstGeom>
+            <a:ln>
+              <a:tailEnd type="triangle"/>
+            </a:ln>
+          </p:spPr>
+          <p:style>
+            <a:lnRef idx="1">
+              <a:schemeClr val="accent1"/>
+            </a:lnRef>
+            <a:fillRef idx="0">
+              <a:schemeClr val="accent1"/>
+            </a:fillRef>
+            <a:effectRef idx="0">
+              <a:schemeClr val="accent1"/>
+            </a:effectRef>
+            <a:fontRef idx="minor">
+              <a:schemeClr val="tx1"/>
+            </a:fontRef>
+          </p:style>
+        </p:cxnSp>
+        <p:cxnSp>
+          <p:nvCxnSpPr>
+            <p:cNvPr id="47" name="Straight Arrow Connector 46">
+              <a:extLst>
+                <a:ext uri="{FF2B5EF4-FFF2-40B4-BE49-F238E27FC236}">
+                  <a16:creationId xmlns:a16="http://schemas.microsoft.com/office/drawing/2014/main" id="{FAB1C73A-DD21-4DC7-B66F-081DD9F2E1AE}"/>
+                </a:ext>
+              </a:extLst>
+            </p:cNvPr>
+            <p:cNvCxnSpPr>
+              <a:stCxn id="8" idx="3"/>
+            </p:cNvCxnSpPr>
+            <p:nvPr/>
+          </p:nvCxnSpPr>
+          <p:spPr>
+            <a:xfrm flipV="1">
+              <a:off x="1421907" y="2365298"/>
+              <a:ext cx="609980" cy="623656"/>
+            </a:xfrm>
+            <a:prstGeom prst="straightConnector1">
+              <a:avLst/>
+            </a:prstGeom>
+            <a:ln>
+              <a:tailEnd type="triangle"/>
+            </a:ln>
+          </p:spPr>
+          <p:style>
+            <a:lnRef idx="1">
+              <a:schemeClr val="accent1"/>
+            </a:lnRef>
+            <a:fillRef idx="0">
+              <a:schemeClr val="accent1"/>
+            </a:fillRef>
+            <a:effectRef idx="0">
+              <a:schemeClr val="accent1"/>
+            </a:effectRef>
+            <a:fontRef idx="minor">
+              <a:schemeClr val="tx1"/>
+            </a:fontRef>
+          </p:style>
+        </p:cxnSp>
+        <p:sp>
+          <p:nvSpPr>
+            <p:cNvPr id="48" name="TextBox 47">
+              <a:extLst>
+                <a:ext uri="{FF2B5EF4-FFF2-40B4-BE49-F238E27FC236}">
+                  <a16:creationId xmlns:a16="http://schemas.microsoft.com/office/drawing/2014/main" id="{6654B918-23BF-4689-9780-B36F87CE5EDA}"/>
+                </a:ext>
+              </a:extLst>
+            </p:cNvPr>
+            <p:cNvSpPr txBox="1"/>
+            <p:nvPr/>
+          </p:nvSpPr>
+          <p:spPr>
+            <a:xfrm>
+              <a:off x="1566179" y="5765753"/>
+              <a:ext cx="1365405" cy="738664"/>
+            </a:xfrm>
+            <a:prstGeom prst="rect">
+              <a:avLst/>
+            </a:prstGeom>
+          </p:spPr>
+          <p:style>
+            <a:lnRef idx="2">
+              <a:schemeClr val="dk1"/>
+            </a:lnRef>
+            <a:fillRef idx="1">
+              <a:schemeClr val="lt1"/>
+            </a:fillRef>
+            <a:effectRef idx="0">
+              <a:schemeClr val="dk1"/>
+            </a:effectRef>
+            <a:fontRef idx="minor">
+              <a:schemeClr val="dk1"/>
+            </a:fontRef>
+          </p:style>
+          <p:txBody>
+            <a:bodyPr wrap="square" rtlCol="0">
+              <a:spAutoFit/>
+            </a:bodyPr>
+            <a:lstStyle/>
+            <a:p>
+              <a:r>
+                <a:rPr lang="en-US" dirty="0"/>
+                <a:t>Front End</a:t>
+              </a:r>
+            </a:p>
+            <a:p>
+              <a:endParaRPr lang="en-US" sz="1200" b="1" dirty="0">
+                <a:solidFill>
+                  <a:srgbClr val="795E26"/>
+                </a:solidFill>
+                <a:effectLst/>
+                <a:latin typeface="Courier New" panose="02070309020205020404" pitchFamily="49" charset="0"/>
+              </a:endParaRPr>
+            </a:p>
+            <a:p>
+              <a:endParaRPr lang="en-IN" sz="1200" b="1" dirty="0">
+                <a:solidFill>
+                  <a:srgbClr val="795E26"/>
+                </a:solidFill>
+                <a:effectLst/>
+                <a:latin typeface="Courier New" panose="02070309020205020404" pitchFamily="49" charset="0"/>
+              </a:endParaRPr>
+            </a:p>
+          </p:txBody>
+        </p:sp>
+        <p:sp>
+          <p:nvSpPr>
+            <p:cNvPr id="49" name="TextBox 48">
+              <a:extLst>
+                <a:ext uri="{FF2B5EF4-FFF2-40B4-BE49-F238E27FC236}">
+                  <a16:creationId xmlns:a16="http://schemas.microsoft.com/office/drawing/2014/main" id="{107D741C-7E0C-41E5-BD06-BFB36B570FD3}"/>
+                </a:ext>
+              </a:extLst>
+            </p:cNvPr>
+            <p:cNvSpPr txBox="1"/>
+            <p:nvPr/>
+          </p:nvSpPr>
+          <p:spPr>
+            <a:xfrm>
+              <a:off x="4781656" y="5766939"/>
+              <a:ext cx="1157058" cy="738664"/>
+            </a:xfrm>
+            <a:prstGeom prst="rect">
+              <a:avLst/>
+            </a:prstGeom>
+          </p:spPr>
+          <p:style>
+            <a:lnRef idx="2">
+              <a:schemeClr val="dk1"/>
+            </a:lnRef>
+            <a:fillRef idx="1">
+              <a:schemeClr val="lt1"/>
+            </a:fillRef>
+            <a:effectRef idx="0">
+              <a:schemeClr val="dk1"/>
+            </a:effectRef>
+            <a:fontRef idx="minor">
+              <a:schemeClr val="dk1"/>
+            </a:fontRef>
+          </p:style>
+          <p:txBody>
+            <a:bodyPr wrap="square" rtlCol="0">
+              <a:spAutoFit/>
+            </a:bodyPr>
+            <a:lstStyle/>
+            <a:p>
+              <a:r>
+                <a:rPr lang="en-US" sz="1400" b="1" dirty="0">
+                  <a:solidFill>
+                    <a:srgbClr val="795E26"/>
+                  </a:solidFill>
+                  <a:effectLst/>
+                  <a:latin typeface="Courier New" panose="02070309020205020404" pitchFamily="49" charset="0"/>
+                </a:rPr>
+                <a:t>FLASK (app.py)</a:t>
+              </a:r>
+            </a:p>
+            <a:p>
+              <a:endParaRPr lang="en-US" sz="1400" b="1" dirty="0">
+                <a:solidFill>
+                  <a:srgbClr val="795E26"/>
+                </a:solidFill>
+                <a:latin typeface="Courier New" panose="02070309020205020404" pitchFamily="49" charset="0"/>
+              </a:endParaRPr>
+            </a:p>
+          </p:txBody>
+        </p:sp>
+        <p:cxnSp>
+          <p:nvCxnSpPr>
+            <p:cNvPr id="54" name="Straight Arrow Connector 53">
+              <a:extLst>
+                <a:ext uri="{FF2B5EF4-FFF2-40B4-BE49-F238E27FC236}">
+                  <a16:creationId xmlns:a16="http://schemas.microsoft.com/office/drawing/2014/main" id="{4900D7B1-43EB-4902-AF3D-0FF09C19F7CF}"/>
+                </a:ext>
+              </a:extLst>
+            </p:cNvPr>
+            <p:cNvCxnSpPr>
+              <a:cxnSpLocks/>
+            </p:cNvCxnSpPr>
+            <p:nvPr/>
+          </p:nvCxnSpPr>
+          <p:spPr>
+            <a:xfrm flipH="1">
+              <a:off x="2931584" y="6314727"/>
+              <a:ext cx="1850072" cy="0"/>
+            </a:xfrm>
+            <a:prstGeom prst="straightConnector1">
+              <a:avLst/>
+            </a:prstGeom>
+            <a:ln>
+              <a:tailEnd type="triangle"/>
+            </a:ln>
+          </p:spPr>
+          <p:style>
+            <a:lnRef idx="1">
+              <a:schemeClr val="accent1"/>
+            </a:lnRef>
+            <a:fillRef idx="0">
+              <a:schemeClr val="accent1"/>
+            </a:fillRef>
+            <a:effectRef idx="0">
+              <a:schemeClr val="accent1"/>
+            </a:effectRef>
+            <a:fontRef idx="minor">
+              <a:schemeClr val="tx1"/>
+            </a:fontRef>
+          </p:style>
+        </p:cxnSp>
+        <p:sp>
+          <p:nvSpPr>
+            <p:cNvPr id="2052" name="TextBox 2051">
+              <a:extLst>
+                <a:ext uri="{FF2B5EF4-FFF2-40B4-BE49-F238E27FC236}">
+                  <a16:creationId xmlns:a16="http://schemas.microsoft.com/office/drawing/2014/main" id="{EA49DED2-73DC-4282-BF1F-357A44E01887}"/>
+                </a:ext>
+              </a:extLst>
+            </p:cNvPr>
+            <p:cNvSpPr txBox="1"/>
+            <p:nvPr/>
+          </p:nvSpPr>
+          <p:spPr>
+            <a:xfrm>
+              <a:off x="3409860" y="5668843"/>
+              <a:ext cx="1081959" cy="307777"/>
+            </a:xfrm>
+            <a:prstGeom prst="rect">
+              <a:avLst/>
+            </a:prstGeom>
+            <a:noFill/>
+          </p:spPr>
+          <p:txBody>
+            <a:bodyPr wrap="square" rtlCol="0">
+              <a:spAutoFit/>
+            </a:bodyPr>
+            <a:lstStyle/>
+            <a:p>
+              <a:r>
+                <a:rPr lang="en-US" sz="1400" dirty="0"/>
+                <a:t>Message</a:t>
+              </a:r>
+              <a:endParaRPr lang="en-IN" sz="1400" dirty="0"/>
+            </a:p>
+          </p:txBody>
+        </p:sp>
+        <p:sp>
+          <p:nvSpPr>
+            <p:cNvPr id="69" name="TextBox 68">
+              <a:extLst>
+                <a:ext uri="{FF2B5EF4-FFF2-40B4-BE49-F238E27FC236}">
+                  <a16:creationId xmlns:a16="http://schemas.microsoft.com/office/drawing/2014/main" id="{93B48094-E9D5-4F42-8385-258572FA66DD}"/>
+                </a:ext>
+              </a:extLst>
+            </p:cNvPr>
+            <p:cNvSpPr txBox="1"/>
+            <p:nvPr/>
+          </p:nvSpPr>
+          <p:spPr>
+            <a:xfrm>
+              <a:off x="3409859" y="6291981"/>
+              <a:ext cx="1081959" cy="307777"/>
+            </a:xfrm>
+            <a:prstGeom prst="rect">
+              <a:avLst/>
+            </a:prstGeom>
+            <a:noFill/>
+          </p:spPr>
+          <p:txBody>
+            <a:bodyPr wrap="square" rtlCol="0">
+              <a:spAutoFit/>
+            </a:bodyPr>
+            <a:lstStyle/>
+            <a:p>
+              <a:r>
+                <a:rPr lang="en-US" sz="1400" dirty="0"/>
+                <a:t>Response</a:t>
+              </a:r>
+              <a:endParaRPr lang="en-IN" sz="1400" dirty="0"/>
+            </a:p>
+          </p:txBody>
+        </p:sp>
+        <p:cxnSp>
+          <p:nvCxnSpPr>
+            <p:cNvPr id="2055" name="Straight Arrow Connector 2054">
+              <a:extLst>
+                <a:ext uri="{FF2B5EF4-FFF2-40B4-BE49-F238E27FC236}">
+                  <a16:creationId xmlns:a16="http://schemas.microsoft.com/office/drawing/2014/main" id="{DB3F8006-39D6-43D3-AC13-A8A96C0FEED1}"/>
+                </a:ext>
+              </a:extLst>
+            </p:cNvPr>
+            <p:cNvCxnSpPr/>
+            <p:nvPr/>
+          </p:nvCxnSpPr>
+          <p:spPr>
+            <a:xfrm>
+              <a:off x="2931584" y="5946289"/>
+              <a:ext cx="1850072" cy="0"/>
+            </a:xfrm>
+            <a:prstGeom prst="straightConnector1">
+              <a:avLst/>
+            </a:prstGeom>
+            <a:ln>
+              <a:tailEnd type="triangle"/>
+            </a:ln>
+          </p:spPr>
+          <p:style>
+            <a:lnRef idx="1">
+              <a:schemeClr val="accent1"/>
+            </a:lnRef>
+            <a:fillRef idx="0">
+              <a:schemeClr val="accent1"/>
+            </a:fillRef>
+            <a:effectRef idx="0">
+              <a:schemeClr val="accent1"/>
+            </a:effectRef>
+            <a:fontRef idx="minor">
+              <a:schemeClr val="tx1"/>
+            </a:fontRef>
+          </p:style>
+        </p:cxnSp>
+        <p:cxnSp>
+          <p:nvCxnSpPr>
+            <p:cNvPr id="2057" name="Straight Arrow Connector 2056">
+              <a:extLst>
+                <a:ext uri="{FF2B5EF4-FFF2-40B4-BE49-F238E27FC236}">
+                  <a16:creationId xmlns:a16="http://schemas.microsoft.com/office/drawing/2014/main" id="{F64D1C95-0207-4627-AF14-6322F828FF37}"/>
+                </a:ext>
+              </a:extLst>
+            </p:cNvPr>
+            <p:cNvCxnSpPr/>
+            <p:nvPr/>
+          </p:nvCxnSpPr>
+          <p:spPr>
+            <a:xfrm flipV="1">
+              <a:off x="4998128" y="4815428"/>
+              <a:ext cx="0" cy="950325"/>
+            </a:xfrm>
+            <a:prstGeom prst="straightConnector1">
+              <a:avLst/>
+            </a:prstGeom>
+            <a:ln>
+              <a:tailEnd type="triangle"/>
+            </a:ln>
+          </p:spPr>
+          <p:style>
+            <a:lnRef idx="1">
+              <a:schemeClr val="accent1"/>
+            </a:lnRef>
+            <a:fillRef idx="0">
+              <a:schemeClr val="accent1"/>
+            </a:fillRef>
+            <a:effectRef idx="0">
+              <a:schemeClr val="accent1"/>
+            </a:effectRef>
+            <a:fontRef idx="minor">
+              <a:schemeClr val="tx1"/>
+            </a:fontRef>
+          </p:style>
+        </p:cxnSp>
+        <p:cxnSp>
+          <p:nvCxnSpPr>
+            <p:cNvPr id="2059" name="Straight Arrow Connector 2058">
+              <a:extLst>
+                <a:ext uri="{FF2B5EF4-FFF2-40B4-BE49-F238E27FC236}">
+                  <a16:creationId xmlns:a16="http://schemas.microsoft.com/office/drawing/2014/main" id="{6F122A6A-6FB3-4C9A-BA41-F81723506C4D}"/>
+                </a:ext>
+              </a:extLst>
+            </p:cNvPr>
+            <p:cNvCxnSpPr>
+              <a:cxnSpLocks/>
+            </p:cNvCxnSpPr>
+            <p:nvPr/>
+          </p:nvCxnSpPr>
+          <p:spPr>
+            <a:xfrm>
+              <a:off x="5785355" y="5154915"/>
+              <a:ext cx="0" cy="610838"/>
+            </a:xfrm>
+            <a:prstGeom prst="straightConnector1">
+              <a:avLst/>
+            </a:prstGeom>
+            <a:ln>
+              <a:tailEnd type="triangle"/>
+            </a:ln>
+          </p:spPr>
+          <p:style>
+            <a:lnRef idx="1">
+              <a:schemeClr val="accent1"/>
+            </a:lnRef>
+            <a:fillRef idx="0">
+              <a:schemeClr val="accent1"/>
+            </a:fillRef>
+            <a:effectRef idx="0">
+              <a:schemeClr val="accent1"/>
+            </a:effectRef>
+            <a:fontRef idx="minor">
+              <a:schemeClr val="tx1"/>
+            </a:fontRef>
+          </p:style>
+        </p:cxnSp>
+        <p:sp>
+          <p:nvSpPr>
+            <p:cNvPr id="77" name="TextBox 76">
+              <a:extLst>
+                <a:ext uri="{FF2B5EF4-FFF2-40B4-BE49-F238E27FC236}">
+                  <a16:creationId xmlns:a16="http://schemas.microsoft.com/office/drawing/2014/main" id="{557ACCAD-653D-497C-9E23-07AE408820F0}"/>
+                </a:ext>
+              </a:extLst>
+            </p:cNvPr>
+            <p:cNvSpPr txBox="1"/>
+            <p:nvPr/>
+          </p:nvSpPr>
+          <p:spPr>
+            <a:xfrm rot="16200000">
+              <a:off x="4353053" y="5016416"/>
+              <a:ext cx="1081959" cy="276999"/>
+            </a:xfrm>
+            <a:prstGeom prst="rect">
+              <a:avLst/>
+            </a:prstGeom>
+            <a:noFill/>
+          </p:spPr>
+          <p:txBody>
+            <a:bodyPr wrap="square" rtlCol="0">
+              <a:spAutoFit/>
+            </a:bodyPr>
+            <a:lstStyle/>
+            <a:p>
+              <a:r>
+                <a:rPr lang="en-US" sz="1200" dirty="0"/>
+                <a:t>Message</a:t>
+              </a:r>
+              <a:endParaRPr lang="en-IN" sz="1200" dirty="0"/>
+            </a:p>
+          </p:txBody>
+        </p:sp>
+        <p:cxnSp>
+          <p:nvCxnSpPr>
+            <p:cNvPr id="2063" name="Straight Arrow Connector 2062">
+              <a:extLst>
+                <a:ext uri="{FF2B5EF4-FFF2-40B4-BE49-F238E27FC236}">
+                  <a16:creationId xmlns:a16="http://schemas.microsoft.com/office/drawing/2014/main" id="{9015E276-9740-4B75-9FB5-7AC56292D838}"/>
+                </a:ext>
+              </a:extLst>
+            </p:cNvPr>
+            <p:cNvCxnSpPr>
+              <a:cxnSpLocks/>
+            </p:cNvCxnSpPr>
+            <p:nvPr/>
+          </p:nvCxnSpPr>
+          <p:spPr>
+            <a:xfrm flipV="1">
+              <a:off x="3375006" y="2158152"/>
+              <a:ext cx="892017" cy="1"/>
+            </a:xfrm>
+            <a:prstGeom prst="straightConnector1">
+              <a:avLst/>
+            </a:prstGeom>
+            <a:ln>
+              <a:tailEnd type="triangle"/>
+            </a:ln>
+          </p:spPr>
+          <p:style>
+            <a:lnRef idx="1">
+              <a:schemeClr val="accent1"/>
+            </a:lnRef>
+            <a:fillRef idx="0">
+              <a:schemeClr val="accent1"/>
+            </a:fillRef>
+            <a:effectRef idx="0">
+              <a:schemeClr val="accent1"/>
+            </a:effectRef>
+            <a:fontRef idx="minor">
+              <a:schemeClr val="tx1"/>
+            </a:fontRef>
+          </p:style>
+        </p:cxnSp>
+        <p:cxnSp>
+          <p:nvCxnSpPr>
+            <p:cNvPr id="2072" name="Straight Connector 2071">
+              <a:extLst>
+                <a:ext uri="{FF2B5EF4-FFF2-40B4-BE49-F238E27FC236}">
+                  <a16:creationId xmlns:a16="http://schemas.microsoft.com/office/drawing/2014/main" id="{B49BCFC6-CFB3-42A0-B2F5-CCAB0195A0AE}"/>
+                </a:ext>
+              </a:extLst>
+            </p:cNvPr>
+            <p:cNvCxnSpPr/>
+            <p:nvPr/>
+          </p:nvCxnSpPr>
+          <p:spPr>
+            <a:xfrm>
+              <a:off x="5814874" y="5154915"/>
+              <a:ext cx="2095130" cy="0"/>
+            </a:xfrm>
+            <a:prstGeom prst="line">
+              <a:avLst/>
+            </a:prstGeom>
+          </p:spPr>
+          <p:style>
+            <a:lnRef idx="1">
+              <a:schemeClr val="accent1"/>
+            </a:lnRef>
+            <a:fillRef idx="0">
+              <a:schemeClr val="accent1"/>
+            </a:fillRef>
+            <a:effectRef idx="0">
+              <a:schemeClr val="accent1"/>
+            </a:effectRef>
+            <a:fontRef idx="minor">
+              <a:schemeClr val="tx1"/>
+            </a:fontRef>
+          </p:style>
+        </p:cxnSp>
+        <p:sp>
+          <p:nvSpPr>
+            <p:cNvPr id="93" name="TextBox 92">
+              <a:extLst>
+                <a:ext uri="{FF2B5EF4-FFF2-40B4-BE49-F238E27FC236}">
+                  <a16:creationId xmlns:a16="http://schemas.microsoft.com/office/drawing/2014/main" id="{F1C5A26B-BB1C-4876-963D-31CC953CEAB5}"/>
+                </a:ext>
+              </a:extLst>
+            </p:cNvPr>
+            <p:cNvSpPr txBox="1"/>
+            <p:nvPr/>
+          </p:nvSpPr>
+          <p:spPr>
+            <a:xfrm>
+              <a:off x="7416323" y="4723095"/>
+              <a:ext cx="1468805" cy="923330"/>
+            </a:xfrm>
+            <a:prstGeom prst="rect">
+              <a:avLst/>
+            </a:prstGeom>
+          </p:spPr>
+          <p:style>
+            <a:lnRef idx="2">
+              <a:schemeClr val="dk1"/>
+            </a:lnRef>
+            <a:fillRef idx="1">
+              <a:schemeClr val="lt1"/>
+            </a:fillRef>
+            <a:effectRef idx="0">
+              <a:schemeClr val="dk1"/>
+            </a:effectRef>
+            <a:fontRef idx="minor">
+              <a:schemeClr val="dk1"/>
+            </a:fontRef>
+          </p:style>
+          <p:txBody>
+            <a:bodyPr wrap="square" rtlCol="0">
+              <a:spAutoFit/>
+            </a:bodyPr>
+            <a:lstStyle/>
+            <a:p>
+              <a:r>
+                <a:rPr lang="en-US" b="1" dirty="0">
+                  <a:solidFill>
+                    <a:srgbClr val="795E26"/>
+                  </a:solidFill>
+                  <a:latin typeface="Courier New" panose="02070309020205020404" pitchFamily="49" charset="0"/>
+                </a:rPr>
+                <a:t>Response from the chatbot</a:t>
+              </a:r>
+              <a:endParaRPr lang="en-IN" b="1" dirty="0">
+                <a:solidFill>
+                  <a:srgbClr val="795E26"/>
+                </a:solidFill>
+                <a:effectLst/>
+                <a:latin typeface="Courier New" panose="02070309020205020404" pitchFamily="49" charset="0"/>
+              </a:endParaRPr>
+            </a:p>
+          </p:txBody>
+        </p:sp>
+        <p:sp>
+          <p:nvSpPr>
+            <p:cNvPr id="94" name="TextBox 93">
+              <a:extLst>
+                <a:ext uri="{FF2B5EF4-FFF2-40B4-BE49-F238E27FC236}">
+                  <a16:creationId xmlns:a16="http://schemas.microsoft.com/office/drawing/2014/main" id="{BFA529F6-C5EA-4A55-BBEE-D47AED1E1A14}"/>
+                </a:ext>
+              </a:extLst>
+            </p:cNvPr>
+            <p:cNvSpPr txBox="1"/>
+            <p:nvPr/>
+          </p:nvSpPr>
+          <p:spPr>
+            <a:xfrm>
+              <a:off x="9178547" y="5946289"/>
+              <a:ext cx="1490907" cy="738664"/>
+            </a:xfrm>
+            <a:prstGeom prst="rect">
+              <a:avLst/>
+            </a:prstGeom>
+            <a:noFill/>
+          </p:spPr>
+          <p:txBody>
+            <a:bodyPr wrap="square" rtlCol="0">
+              <a:spAutoFit/>
+            </a:bodyPr>
+            <a:lstStyle/>
+            <a:p>
+              <a:pPr marL="171450" indent="-171450">
+                <a:buFont typeface="Arial" panose="020B0604020202020204" pitchFamily="34" charset="0"/>
+                <a:buChar char="•"/>
+              </a:pPr>
+              <a:r>
+                <a:rPr lang="en-US" sz="1050" dirty="0"/>
+                <a:t>Food menu</a:t>
+              </a:r>
+            </a:p>
+            <a:p>
+              <a:pPr marL="171450" indent="-171450">
+                <a:buFont typeface="Arial" panose="020B0604020202020204" pitchFamily="34" charset="0"/>
+                <a:buChar char="•"/>
+              </a:pPr>
+              <a:r>
+                <a:rPr lang="en-US" sz="1050" dirty="0"/>
+                <a:t>Table availability</a:t>
+              </a:r>
+            </a:p>
+            <a:p>
+              <a:pPr marL="171450" indent="-171450">
+                <a:buFont typeface="Arial" panose="020B0604020202020204" pitchFamily="34" charset="0"/>
+                <a:buChar char="•"/>
+              </a:pPr>
+              <a:r>
+                <a:rPr lang="en-US" sz="1050" dirty="0"/>
+                <a:t>Offers</a:t>
+              </a:r>
+            </a:p>
+            <a:p>
+              <a:pPr marL="171450" indent="-171450">
+                <a:buFont typeface="Arial" panose="020B0604020202020204" pitchFamily="34" charset="0"/>
+                <a:buChar char="•"/>
+              </a:pPr>
+              <a:r>
+                <a:rPr lang="en-US" sz="1050" dirty="0"/>
+                <a:t>Suggestions</a:t>
+              </a:r>
+              <a:endParaRPr lang="en-IN" sz="1050" dirty="0"/>
+            </a:p>
+          </p:txBody>
+        </p:sp>
+        <p:sp>
+          <p:nvSpPr>
+            <p:cNvPr id="95" name="TextBox 94">
+              <a:extLst>
+                <a:ext uri="{FF2B5EF4-FFF2-40B4-BE49-F238E27FC236}">
+                  <a16:creationId xmlns:a16="http://schemas.microsoft.com/office/drawing/2014/main" id="{02145CEC-7E77-401E-BF7F-78D7D2AD3D0C}"/>
+                </a:ext>
+              </a:extLst>
+            </p:cNvPr>
+            <p:cNvSpPr txBox="1"/>
+            <p:nvPr/>
+          </p:nvSpPr>
+          <p:spPr>
+            <a:xfrm>
+              <a:off x="4476389" y="291261"/>
+              <a:ext cx="1967882" cy="584775"/>
+            </a:xfrm>
+            <a:prstGeom prst="rect">
+              <a:avLst/>
+            </a:prstGeom>
+          </p:spPr>
+          <p:style>
+            <a:lnRef idx="2">
+              <a:schemeClr val="dk1"/>
+            </a:lnRef>
+            <a:fillRef idx="1">
+              <a:schemeClr val="lt1"/>
+            </a:fillRef>
+            <a:effectRef idx="0">
+              <a:schemeClr val="dk1"/>
+            </a:effectRef>
+            <a:fontRef idx="minor">
+              <a:schemeClr val="dk1"/>
+            </a:fontRef>
+          </p:style>
+          <p:txBody>
+            <a:bodyPr wrap="square" rtlCol="0">
+              <a:spAutoFit/>
+            </a:bodyPr>
+            <a:lstStyle/>
+            <a:p>
+              <a:pPr algn="ctr"/>
+              <a:r>
+                <a:rPr lang="en-US" sz="1600" dirty="0"/>
+                <a:t>Input data</a:t>
+              </a:r>
+            </a:p>
+            <a:p>
+              <a:pPr algn="ctr"/>
+              <a:r>
+                <a:rPr lang="en-US" sz="1600" b="1" dirty="0">
+                  <a:solidFill>
+                    <a:srgbClr val="795E26"/>
+                  </a:solidFill>
+                  <a:latin typeface="Courier New" panose="02070309020205020404" pitchFamily="49" charset="0"/>
+                </a:rPr>
+                <a:t>i</a:t>
+              </a:r>
+              <a:r>
+                <a:rPr lang="en-US" sz="1600" b="1" dirty="0">
+                  <a:solidFill>
+                    <a:srgbClr val="795E26"/>
+                  </a:solidFill>
+                  <a:effectLst/>
+                  <a:latin typeface="Courier New" panose="02070309020205020404" pitchFamily="49" charset="0"/>
+                </a:rPr>
+                <a:t>ntents.json</a:t>
+              </a:r>
+              <a:endParaRPr lang="en-IN" sz="1600" b="1" dirty="0">
+                <a:solidFill>
+                  <a:srgbClr val="795E26"/>
+                </a:solidFill>
+                <a:effectLst/>
+                <a:latin typeface="Courier New" panose="02070309020205020404" pitchFamily="49" charset="0"/>
+              </a:endParaRPr>
+            </a:p>
+          </p:txBody>
+        </p:sp>
+        <p:cxnSp>
+          <p:nvCxnSpPr>
+            <p:cNvPr id="2074" name="Straight Arrow Connector 2073">
+              <a:extLst>
+                <a:ext uri="{FF2B5EF4-FFF2-40B4-BE49-F238E27FC236}">
+                  <a16:creationId xmlns:a16="http://schemas.microsoft.com/office/drawing/2014/main" id="{4D281D57-927A-41DA-9AD0-39568A3399AB}"/>
+                </a:ext>
+              </a:extLst>
+            </p:cNvPr>
+            <p:cNvCxnSpPr>
+              <a:stCxn id="95" idx="2"/>
+              <a:endCxn id="22" idx="0"/>
+            </p:cNvCxnSpPr>
+            <p:nvPr/>
+          </p:nvCxnSpPr>
+          <p:spPr>
+            <a:xfrm>
+              <a:off x="5460330" y="876036"/>
+              <a:ext cx="6934" cy="547193"/>
+            </a:xfrm>
+            <a:prstGeom prst="straightConnector1">
+              <a:avLst/>
+            </a:prstGeom>
+            <a:ln>
+              <a:tailEnd type="triangle"/>
+            </a:ln>
+          </p:spPr>
+          <p:style>
+            <a:lnRef idx="1">
+              <a:schemeClr val="accent1"/>
+            </a:lnRef>
+            <a:fillRef idx="0">
+              <a:schemeClr val="accent1"/>
+            </a:fillRef>
+            <a:effectRef idx="0">
+              <a:schemeClr val="accent1"/>
+            </a:effectRef>
+            <a:fontRef idx="minor">
+              <a:schemeClr val="tx1"/>
+            </a:fontRef>
+          </p:style>
+        </p:cxnSp>
+        <p:sp>
+          <p:nvSpPr>
+            <p:cNvPr id="2081" name="Rectangle 2080">
+              <a:extLst>
+                <a:ext uri="{FF2B5EF4-FFF2-40B4-BE49-F238E27FC236}">
+                  <a16:creationId xmlns:a16="http://schemas.microsoft.com/office/drawing/2014/main" id="{2DCA2224-75CB-4F8B-8DFE-6D4001466B3A}"/>
+                </a:ext>
+              </a:extLst>
+            </p:cNvPr>
+            <p:cNvSpPr/>
+            <p:nvPr/>
+          </p:nvSpPr>
+          <p:spPr>
+            <a:xfrm>
+              <a:off x="150920" y="159798"/>
+              <a:ext cx="11762913" cy="3949087"/>
+            </a:xfrm>
+            <a:prstGeom prst="rect">
+              <a:avLst/>
+            </a:prstGeom>
+            <a:noFill/>
+            <a:ln w="38100">
+              <a:solidFill>
+                <a:srgbClr val="FF0000"/>
+              </a:solidFill>
+              <a:prstDash val="sysDash"/>
+            </a:ln>
+          </p:spPr>
+          <p:style>
+            <a:lnRef idx="2">
+              <a:schemeClr val="accent1">
+                <a:shade val="50000"/>
+              </a:schemeClr>
+            </a:lnRef>
+            <a:fillRef idx="1">
+              <a:schemeClr val="accent1"/>
+            </a:fillRef>
+            <a:effectRef idx="0">
+              <a:schemeClr val="accent1"/>
+            </a:effectRef>
+            <a:fontRef idx="minor">
+              <a:schemeClr val="lt1"/>
+            </a:fontRef>
+          </p:style>
+          <p:txBody>
+            <a:bodyPr rtlCol="0" anchor="ctr"/>
+            <a:lstStyle/>
+            <a:p>
+              <a:pPr algn="ctr"/>
+              <a:endParaRPr lang="en-IN"/>
+            </a:p>
+          </p:txBody>
+        </p:sp>
+        <p:sp>
+          <p:nvSpPr>
+            <p:cNvPr id="2082" name="TextBox 2081">
+              <a:extLst>
+                <a:ext uri="{FF2B5EF4-FFF2-40B4-BE49-F238E27FC236}">
+                  <a16:creationId xmlns:a16="http://schemas.microsoft.com/office/drawing/2014/main" id="{51A7065C-E05F-48B7-8B1B-9003B70B0F1F}"/>
+                </a:ext>
+              </a:extLst>
+            </p:cNvPr>
+            <p:cNvSpPr txBox="1"/>
+            <p:nvPr/>
+          </p:nvSpPr>
+          <p:spPr>
+            <a:xfrm>
+              <a:off x="8096435" y="370525"/>
+              <a:ext cx="2226817" cy="369332"/>
+            </a:xfrm>
+            <a:prstGeom prst="rect">
+              <a:avLst/>
+            </a:prstGeom>
+            <a:solidFill>
+              <a:schemeClr val="bg2"/>
+            </a:solidFill>
+          </p:spPr>
+          <p:txBody>
+            <a:bodyPr wrap="square" rtlCol="0">
+              <a:spAutoFit/>
+            </a:bodyPr>
+            <a:lstStyle/>
+            <a:p>
+              <a:pPr algn="ctr"/>
+              <a:r>
+                <a:rPr lang="en-US" dirty="0"/>
+                <a:t>Intent Classification</a:t>
+              </a:r>
+              <a:endParaRPr lang="en-IN" dirty="0"/>
+            </a:p>
+          </p:txBody>
+        </p:sp>
+        <p:cxnSp>
+          <p:nvCxnSpPr>
+            <p:cNvPr id="2086" name="Straight Arrow Connector 2085">
+              <a:extLst>
+                <a:ext uri="{FF2B5EF4-FFF2-40B4-BE49-F238E27FC236}">
+                  <a16:creationId xmlns:a16="http://schemas.microsoft.com/office/drawing/2014/main" id="{4DBBC733-FCD1-4D41-9FDA-6488B97E73BB}"/>
+                </a:ext>
+              </a:extLst>
+            </p:cNvPr>
+            <p:cNvCxnSpPr>
+              <a:endCxn id="32" idx="1"/>
+            </p:cNvCxnSpPr>
+            <p:nvPr/>
+          </p:nvCxnSpPr>
+          <p:spPr>
+            <a:xfrm>
+              <a:off x="7278999" y="2465209"/>
+              <a:ext cx="349535" cy="0"/>
+            </a:xfrm>
+            <a:prstGeom prst="straightConnector1">
+              <a:avLst/>
+            </a:prstGeom>
+            <a:ln>
+              <a:tailEnd type="triangle"/>
+            </a:ln>
+          </p:spPr>
+          <p:style>
+            <a:lnRef idx="1">
+              <a:schemeClr val="accent1"/>
+            </a:lnRef>
+            <a:fillRef idx="0">
+              <a:schemeClr val="accent1"/>
+            </a:fillRef>
+            <a:effectRef idx="0">
+              <a:schemeClr val="accent1"/>
+            </a:effectRef>
+            <a:fontRef idx="minor">
+              <a:schemeClr val="tx1"/>
+            </a:fontRef>
+          </p:style>
+        </p:cxnSp>
+        <p:sp>
+          <p:nvSpPr>
+            <p:cNvPr id="114" name="TextBox 113">
+              <a:extLst>
+                <a:ext uri="{FF2B5EF4-FFF2-40B4-BE49-F238E27FC236}">
+                  <a16:creationId xmlns:a16="http://schemas.microsoft.com/office/drawing/2014/main" id="{3198DA45-5F16-490B-B4CA-89CB6F42A4DA}"/>
+                </a:ext>
+              </a:extLst>
+            </p:cNvPr>
+            <p:cNvSpPr txBox="1"/>
+            <p:nvPr/>
+          </p:nvSpPr>
+          <p:spPr>
+            <a:xfrm>
+              <a:off x="9542701" y="4815428"/>
+              <a:ext cx="2385767" cy="369332"/>
+            </a:xfrm>
+            <a:prstGeom prst="rect">
+              <a:avLst/>
+            </a:prstGeom>
+          </p:spPr>
+          <p:style>
+            <a:lnRef idx="2">
+              <a:schemeClr val="dk1"/>
+            </a:lnRef>
+            <a:fillRef idx="1">
+              <a:schemeClr val="lt1"/>
+            </a:fillRef>
+            <a:effectRef idx="0">
+              <a:schemeClr val="dk1"/>
+            </a:effectRef>
+            <a:fontRef idx="minor">
+              <a:schemeClr val="dk1"/>
+            </a:fontRef>
+          </p:style>
+          <p:txBody>
+            <a:bodyPr wrap="square" rtlCol="0">
+              <a:spAutoFit/>
+            </a:bodyPr>
+            <a:lstStyle/>
+            <a:p>
+              <a:r>
+                <a:rPr lang="en-US" dirty="0"/>
+                <a:t>Response_generator.py</a:t>
+              </a:r>
+            </a:p>
+          </p:txBody>
+        </p:sp>
+        <p:cxnSp>
+          <p:nvCxnSpPr>
+            <p:cNvPr id="2090" name="Straight Arrow Connector 2089">
+              <a:extLst>
+                <a:ext uri="{FF2B5EF4-FFF2-40B4-BE49-F238E27FC236}">
+                  <a16:creationId xmlns:a16="http://schemas.microsoft.com/office/drawing/2014/main" id="{4C645328-4019-4918-97B3-D739F6C6352E}"/>
+                </a:ext>
+              </a:extLst>
+            </p:cNvPr>
+            <p:cNvCxnSpPr>
+              <a:cxnSpLocks/>
+              <a:stCxn id="4" idx="2"/>
+            </p:cNvCxnSpPr>
+            <p:nvPr/>
+          </p:nvCxnSpPr>
+          <p:spPr>
+            <a:xfrm>
+              <a:off x="10997377" y="2742208"/>
+              <a:ext cx="0" cy="2051370"/>
+            </a:xfrm>
+            <a:prstGeom prst="straightConnector1">
+              <a:avLst/>
+            </a:prstGeom>
+            <a:ln>
+              <a:tailEnd type="triangle"/>
+            </a:ln>
+          </p:spPr>
+          <p:style>
+            <a:lnRef idx="1">
+              <a:schemeClr val="accent1"/>
+            </a:lnRef>
+            <a:fillRef idx="0">
+              <a:schemeClr val="accent1"/>
+            </a:fillRef>
+            <a:effectRef idx="0">
+              <a:schemeClr val="accent1"/>
+            </a:effectRef>
+            <a:fontRef idx="minor">
+              <a:schemeClr val="tx1"/>
+            </a:fontRef>
+          </p:style>
+        </p:cxnSp>
+        <p:sp>
+          <p:nvSpPr>
+            <p:cNvPr id="2092" name="Cylinder 2091">
+              <a:extLst>
+                <a:ext uri="{FF2B5EF4-FFF2-40B4-BE49-F238E27FC236}">
+                  <a16:creationId xmlns:a16="http://schemas.microsoft.com/office/drawing/2014/main" id="{0B5D91EB-4D86-46D1-B183-D2AE3E1CE055}"/>
+                </a:ext>
+              </a:extLst>
+            </p:cNvPr>
+            <p:cNvSpPr/>
+            <p:nvPr/>
+          </p:nvSpPr>
+          <p:spPr>
+            <a:xfrm>
+              <a:off x="10516096" y="5659650"/>
+              <a:ext cx="1016925" cy="1070178"/>
+            </a:xfrm>
+            <a:prstGeom prst="can">
+              <a:avLst/>
+            </a:prstGeom>
+            <a:noFill/>
+          </p:spPr>
+          <p:style>
+            <a:lnRef idx="2">
+              <a:schemeClr val="accent1">
+                <a:shade val="50000"/>
+              </a:schemeClr>
+            </a:lnRef>
+            <a:fillRef idx="1">
+              <a:schemeClr val="accent1"/>
+            </a:fillRef>
+            <a:effectRef idx="0">
+              <a:schemeClr val="accent1"/>
+            </a:effectRef>
+            <a:fontRef idx="minor">
+              <a:schemeClr val="lt1"/>
+            </a:fontRef>
+          </p:style>
+          <p:txBody>
+            <a:bodyPr rtlCol="0" anchor="ctr"/>
+            <a:lstStyle/>
+            <a:p>
+              <a:pPr algn="ctr"/>
+              <a:endParaRPr lang="en-IN" dirty="0"/>
+            </a:p>
+          </p:txBody>
+        </p:sp>
+        <p:sp>
+          <p:nvSpPr>
+            <p:cNvPr id="2093" name="TextBox 2092">
+              <a:extLst>
+                <a:ext uri="{FF2B5EF4-FFF2-40B4-BE49-F238E27FC236}">
+                  <a16:creationId xmlns:a16="http://schemas.microsoft.com/office/drawing/2014/main" id="{A7942BB0-B705-432A-B994-DA82966040F7}"/>
+                </a:ext>
+              </a:extLst>
+            </p:cNvPr>
+            <p:cNvSpPr txBox="1"/>
+            <p:nvPr/>
+          </p:nvSpPr>
+          <p:spPr>
+            <a:xfrm>
+              <a:off x="10516096" y="6076538"/>
+              <a:ext cx="996263" cy="523220"/>
+            </a:xfrm>
+            <a:prstGeom prst="rect">
+              <a:avLst/>
+            </a:prstGeom>
+            <a:noFill/>
+          </p:spPr>
+          <p:txBody>
+            <a:bodyPr wrap="square" rtlCol="0">
+              <a:spAutoFit/>
+            </a:bodyPr>
+            <a:lstStyle/>
+            <a:p>
+              <a:pPr algn="ctr"/>
+              <a:r>
+                <a:rPr lang="en-US" sz="1400" b="1" dirty="0"/>
+                <a:t>Restaurant Database</a:t>
+              </a:r>
+              <a:endParaRPr lang="en-IN" sz="1400" b="1" dirty="0"/>
+            </a:p>
+          </p:txBody>
+        </p:sp>
+        <p:cxnSp>
+          <p:nvCxnSpPr>
+            <p:cNvPr id="2095" name="Straight Arrow Connector 2094">
+              <a:extLst>
+                <a:ext uri="{FF2B5EF4-FFF2-40B4-BE49-F238E27FC236}">
+                  <a16:creationId xmlns:a16="http://schemas.microsoft.com/office/drawing/2014/main" id="{C40E2651-4526-4E32-A953-960C9EB2A1DD}"/>
+                </a:ext>
+              </a:extLst>
+            </p:cNvPr>
+            <p:cNvCxnSpPr>
+              <a:cxnSpLocks/>
+            </p:cNvCxnSpPr>
+            <p:nvPr/>
+          </p:nvCxnSpPr>
+          <p:spPr>
+            <a:xfrm flipH="1" flipV="1">
+              <a:off x="10997377" y="5184760"/>
+              <a:ext cx="1" cy="474891"/>
+            </a:xfrm>
+            <a:prstGeom prst="straightConnector1">
+              <a:avLst/>
+            </a:prstGeom>
+            <a:ln>
+              <a:tailEnd type="triangle"/>
+            </a:ln>
+          </p:spPr>
+          <p:style>
+            <a:lnRef idx="1">
+              <a:schemeClr val="accent1"/>
+            </a:lnRef>
+            <a:fillRef idx="0">
+              <a:schemeClr val="accent1"/>
+            </a:fillRef>
+            <a:effectRef idx="0">
+              <a:schemeClr val="accent1"/>
+            </a:effectRef>
+            <a:fontRef idx="minor">
+              <a:schemeClr val="tx1"/>
+            </a:fontRef>
+          </p:style>
+        </p:cxnSp>
+        <p:sp>
+          <p:nvSpPr>
+            <p:cNvPr id="124" name="TextBox 123">
+              <a:extLst>
+                <a:ext uri="{FF2B5EF4-FFF2-40B4-BE49-F238E27FC236}">
+                  <a16:creationId xmlns:a16="http://schemas.microsoft.com/office/drawing/2014/main" id="{ACFAFC2E-0CCF-40DA-B6C0-8449B8572830}"/>
+                </a:ext>
+              </a:extLst>
+            </p:cNvPr>
+            <p:cNvSpPr txBox="1"/>
+            <p:nvPr/>
+          </p:nvSpPr>
+          <p:spPr>
+            <a:xfrm>
+              <a:off x="11110706" y="4190561"/>
+              <a:ext cx="1490907" cy="577081"/>
+            </a:xfrm>
+            <a:prstGeom prst="rect">
+              <a:avLst/>
+            </a:prstGeom>
+            <a:noFill/>
+          </p:spPr>
+          <p:txBody>
+            <a:bodyPr wrap="square" rtlCol="0">
+              <a:spAutoFit/>
+            </a:bodyPr>
+            <a:lstStyle/>
+            <a:p>
+              <a:pPr marL="171450" indent="-171450">
+                <a:buFont typeface="Arial" panose="020B0604020202020204" pitchFamily="34" charset="0"/>
+                <a:buChar char="•"/>
+              </a:pPr>
+              <a:r>
+                <a:rPr lang="en-US" sz="1050" dirty="0"/>
+                <a:t>Greetings</a:t>
+              </a:r>
+            </a:p>
+            <a:p>
+              <a:pPr marL="171450" indent="-171450">
+                <a:buFont typeface="Arial" panose="020B0604020202020204" pitchFamily="34" charset="0"/>
+                <a:buChar char="•"/>
+              </a:pPr>
+              <a:r>
+                <a:rPr lang="en-US" sz="1050" dirty="0"/>
+                <a:t>Feedback</a:t>
+              </a:r>
+            </a:p>
+            <a:p>
+              <a:pPr marL="171450" indent="-171450">
+                <a:buFont typeface="Arial" panose="020B0604020202020204" pitchFamily="34" charset="0"/>
+                <a:buChar char="•"/>
+              </a:pPr>
+              <a:r>
+                <a:rPr lang="en-US" sz="1050" dirty="0"/>
+                <a:t>queries</a:t>
+              </a:r>
+              <a:endParaRPr lang="en-IN" sz="1050" dirty="0"/>
+            </a:p>
+          </p:txBody>
+        </p:sp>
+        <p:sp>
+          <p:nvSpPr>
+            <p:cNvPr id="127" name="TextBox 126">
+              <a:extLst>
+                <a:ext uri="{FF2B5EF4-FFF2-40B4-BE49-F238E27FC236}">
+                  <a16:creationId xmlns:a16="http://schemas.microsoft.com/office/drawing/2014/main" id="{1F909080-8CBC-45E3-BD1B-F78D789A0649}"/>
+                </a:ext>
+              </a:extLst>
+            </p:cNvPr>
+            <p:cNvSpPr txBox="1"/>
+            <p:nvPr/>
+          </p:nvSpPr>
+          <p:spPr>
+            <a:xfrm>
+              <a:off x="6054598" y="5167685"/>
+              <a:ext cx="1081959" cy="276999"/>
+            </a:xfrm>
+            <a:prstGeom prst="rect">
+              <a:avLst/>
+            </a:prstGeom>
+            <a:noFill/>
+          </p:spPr>
+          <p:txBody>
+            <a:bodyPr wrap="square" rtlCol="0">
+              <a:spAutoFit/>
+            </a:bodyPr>
+            <a:lstStyle/>
+            <a:p>
+              <a:r>
+                <a:rPr lang="en-US" sz="1200" dirty="0"/>
+                <a:t>Response</a:t>
+              </a:r>
+              <a:endParaRPr lang="en-IN" sz="1200" dirty="0"/>
+            </a:p>
+          </p:txBody>
+        </p:sp>
+        <p:cxnSp>
+          <p:nvCxnSpPr>
+            <p:cNvPr id="2100" name="Straight Arrow Connector 2099">
+              <a:extLst>
+                <a:ext uri="{FF2B5EF4-FFF2-40B4-BE49-F238E27FC236}">
+                  <a16:creationId xmlns:a16="http://schemas.microsoft.com/office/drawing/2014/main" id="{28ADBF7C-5C08-42EA-9DF8-5F89C99A6BE0}"/>
+                </a:ext>
+              </a:extLst>
+            </p:cNvPr>
+            <p:cNvCxnSpPr>
+              <a:stCxn id="114" idx="1"/>
+            </p:cNvCxnSpPr>
+            <p:nvPr/>
+          </p:nvCxnSpPr>
+          <p:spPr>
+            <a:xfrm flipH="1">
+              <a:off x="8885128" y="5000094"/>
+              <a:ext cx="657573" cy="0"/>
+            </a:xfrm>
+            <a:prstGeom prst="straightConnector1">
+              <a:avLst/>
+            </a:prstGeom>
+            <a:ln>
+              <a:tailEnd type="triangle"/>
+            </a:ln>
+          </p:spPr>
+          <p:style>
+            <a:lnRef idx="1">
+              <a:schemeClr val="accent1"/>
+            </a:lnRef>
+            <a:fillRef idx="0">
+              <a:schemeClr val="accent1"/>
+            </a:fillRef>
+            <a:effectRef idx="0">
+              <a:schemeClr val="accent1"/>
+            </a:effectRef>
+            <a:fontRef idx="minor">
+              <a:schemeClr val="tx1"/>
+            </a:fontRef>
+          </p:style>
+        </p:cxnSp>
+        <p:cxnSp>
+          <p:nvCxnSpPr>
+            <p:cNvPr id="2102" name="Straight Arrow Connector 2101">
+              <a:extLst>
+                <a:ext uri="{FF2B5EF4-FFF2-40B4-BE49-F238E27FC236}">
+                  <a16:creationId xmlns:a16="http://schemas.microsoft.com/office/drawing/2014/main" id="{6830C25B-CF2B-4B76-AFD6-E12B761BE0FB}"/>
+                </a:ext>
+              </a:extLst>
+            </p:cNvPr>
+            <p:cNvCxnSpPr>
+              <a:stCxn id="19" idx="0"/>
+            </p:cNvCxnSpPr>
+            <p:nvPr/>
+          </p:nvCxnSpPr>
+          <p:spPr>
+            <a:xfrm flipV="1">
+              <a:off x="5488194" y="3994827"/>
+              <a:ext cx="0" cy="429419"/>
+            </a:xfrm>
+            <a:prstGeom prst="straightConnector1">
+              <a:avLst/>
+            </a:prstGeom>
+            <a:ln w="38100">
+              <a:solidFill>
+                <a:schemeClr val="tx1">
+                  <a:lumMod val="50000"/>
+                  <a:lumOff val="50000"/>
+                </a:schemeClr>
+              </a:solidFill>
+              <a:tailEnd type="triangle"/>
+            </a:ln>
+          </p:spPr>
+          <p:style>
+            <a:lnRef idx="1">
+              <a:schemeClr val="accent1"/>
+            </a:lnRef>
+            <a:fillRef idx="0">
+              <a:schemeClr val="accent1"/>
+            </a:fillRef>
+            <a:effectRef idx="0">
+              <a:schemeClr val="accent1"/>
+            </a:effectRef>
+            <a:fontRef idx="minor">
+              <a:schemeClr val="tx1"/>
+            </a:fontRef>
+          </p:style>
+        </p:cxnSp>
+        <p:sp>
+          <p:nvSpPr>
+            <p:cNvPr id="132" name="TextBox 131">
+              <a:extLst>
+                <a:ext uri="{FF2B5EF4-FFF2-40B4-BE49-F238E27FC236}">
+                  <a16:creationId xmlns:a16="http://schemas.microsoft.com/office/drawing/2014/main" id="{BDE5CBC6-654C-4949-8163-D8FD89CA3BEC}"/>
+                </a:ext>
+              </a:extLst>
+            </p:cNvPr>
+            <p:cNvSpPr txBox="1"/>
+            <p:nvPr/>
+          </p:nvSpPr>
+          <p:spPr>
+            <a:xfrm>
+              <a:off x="6595577" y="6230426"/>
+              <a:ext cx="2226817" cy="369332"/>
+            </a:xfrm>
+            <a:prstGeom prst="rect">
+              <a:avLst/>
+            </a:prstGeom>
+            <a:solidFill>
+              <a:schemeClr val="bg2"/>
+            </a:solidFill>
+          </p:spPr>
+          <p:txBody>
+            <a:bodyPr wrap="square" rtlCol="0">
+              <a:spAutoFit/>
+            </a:bodyPr>
+            <a:lstStyle/>
+            <a:p>
+              <a:pPr algn="ctr"/>
+              <a:r>
+                <a:rPr lang="en-US" dirty="0"/>
+                <a:t>Response generation</a:t>
+              </a:r>
+              <a:endParaRPr lang="en-IN" dirty="0"/>
+            </a:p>
+          </p:txBody>
+        </p:sp>
+      </p:grpSp>
+      <p:sp>
+        <p:nvSpPr>
+          <p:cNvPr id="2104" name="Rectangle 2103">
+            <a:extLst>
+              <a:ext uri="{FF2B5EF4-FFF2-40B4-BE49-F238E27FC236}">
+                <a16:creationId xmlns:a16="http://schemas.microsoft.com/office/drawing/2014/main" id="{E244E80E-2AFE-49B9-8DFD-04D438C2BE95}"/>
+              </a:ext>
+            </a:extLst>
+          </p:cNvPr>
+          <p:cNvSpPr/>
+          <p:nvPr/>
+        </p:nvSpPr>
+        <p:spPr>
+          <a:xfrm>
+            <a:off x="150920" y="4225771"/>
+            <a:ext cx="11807301" cy="2530136"/>
+          </a:xfrm>
+          <a:prstGeom prst="rect">
+            <a:avLst/>
+          </a:prstGeom>
+          <a:noFill/>
+          <a:ln w="38100">
+            <a:solidFill>
+              <a:schemeClr val="accent1"/>
+            </a:solidFill>
+            <a:prstDash val="sysDash"/>
+          </a:ln>
+        </p:spPr>
+        <p:style>
+          <a:lnRef idx="2">
+            <a:schemeClr val="accent1">
+              <a:shade val="50000"/>
+            </a:schemeClr>
+          </a:lnRef>
+          <a:fillRef idx="1">
+            <a:schemeClr val="accent1"/>
+          </a:fillRef>
+          <a:effectRef idx="0">
+            <a:schemeClr val="accent1"/>
+          </a:effectRef>
+          <a:fontRef idx="minor">
+            <a:schemeClr val="lt1"/>
+          </a:fontRef>
+        </p:style>
+        <p:txBody>
+          <a:bodyPr rtlCol="0" anchor="ctr"/>
+          <a:lstStyle/>
+          <a:p>
+            <a:pPr algn="ctr"/>
+            <a:endParaRPr lang="en-IN"/>
+          </a:p>
+        </p:txBody>
+      </p:sp>
+    </p:spTree>
+    <p:extLst>
+      <p:ext uri="{BB962C8B-B14F-4D97-AF65-F5344CB8AC3E}">
+        <p14:creationId xmlns:p14="http://schemas.microsoft.com/office/powerpoint/2010/main" val="413347313"/>
+      </p:ext>
+    </p:extLst>
+  </p:cSld>
+  <p:clrMapOvr>
+    <a:masterClrMapping/>
+  </p:clrMapOvr>
+</p:sld>
+</file>
+
+<file path=ppt/slides/slide12.xml><?xml version="1.0" encoding="utf-8"?>
+<p:sld xmlns:a="http://schemas.openxmlformats.org/drawingml/2006/main" xmlns:r="http://schemas.openxmlformats.org/officeDocument/2006/relationships" xmlns:p="http://schemas.openxmlformats.org/presentationml/2006/main">
+  <p:cSld>
+    <p:spTree>
+      <p:nvGrpSpPr>
+        <p:cNvPr id="1" name=""/>
+        <p:cNvGrpSpPr/>
+        <p:nvPr/>
+      </p:nvGrpSpPr>
+      <p:grpSpPr>
+        <a:xfrm>
+          <a:off x="0" y="0"/>
+          <a:ext cx="0" cy="0"/>
+          <a:chOff x="0" y="0"/>
+          <a:chExt cx="0" cy="0"/>
+        </a:xfrm>
+      </p:grpSpPr>
+      <p:sp>
+        <p:nvSpPr>
+          <p:cNvPr id="5" name="TextBox 4">
+            <a:extLst>
+              <a:ext uri="{FF2B5EF4-FFF2-40B4-BE49-F238E27FC236}">
+                <a16:creationId xmlns:a16="http://schemas.microsoft.com/office/drawing/2014/main" id="{C239DEBC-9065-41BC-9EA9-AA9BA5B039D0}"/>
+              </a:ext>
+            </a:extLst>
+          </p:cNvPr>
+          <p:cNvSpPr txBox="1"/>
+          <p:nvPr/>
+        </p:nvSpPr>
+        <p:spPr>
+          <a:xfrm>
+            <a:off x="266329" y="1020931"/>
+            <a:ext cx="11736281" cy="5586145"/>
+          </a:xfrm>
+          <a:prstGeom prst="rect">
+            <a:avLst/>
+          </a:prstGeom>
+          <a:noFill/>
+        </p:spPr>
+        <p:txBody>
+          <a:bodyPr wrap="square" rtlCol="0">
+            <a:spAutoFit/>
+          </a:bodyPr>
+          <a:lstStyle/>
+          <a:p>
+            <a:r>
+              <a:rPr lang="en-US" sz="1050" dirty="0"/>
+              <a:t>{"intents": [</a:t>
+            </a:r>
+          </a:p>
+          <a:p>
+            <a:r>
+              <a:rPr lang="en-US" sz="1050" dirty="0"/>
+              <a:t>    {"tag": "</a:t>
+            </a:r>
+            <a:r>
+              <a:rPr lang="en-US" sz="1050" b="1" dirty="0">
+                <a:highlight>
+                  <a:srgbClr val="FFFF00"/>
+                </a:highlight>
+              </a:rPr>
+              <a:t>greeting</a:t>
+            </a:r>
+            <a:r>
+              <a:rPr lang="en-US" sz="1050" dirty="0"/>
+              <a:t>",</a:t>
+            </a:r>
+          </a:p>
+          <a:p>
+            <a:r>
+              <a:rPr lang="en-US" sz="1050" dirty="0"/>
+              <a:t>     "patterns": ["Hi", "Hey", "Hello", "Good morning!", "Hey! Good morning", "Hey there", "Hey Janet", "Very good morning", "A very good morning to you", "Greeting", "Greetings to you"],</a:t>
+            </a:r>
+          </a:p>
+          <a:p>
+            <a:r>
+              <a:rPr lang="en-US" sz="1050" dirty="0"/>
+              <a:t>     "responses": ["Hello I'm Restrobot! How can I help you?", "Hi! I'm Restrobot. How may I assist you today?"]</a:t>
+            </a:r>
+          </a:p>
+          <a:p>
+            <a:r>
+              <a:rPr lang="en-US" sz="1050" dirty="0"/>
+              <a:t>    },</a:t>
+            </a:r>
+          </a:p>
+          <a:p>
+            <a:r>
+              <a:rPr lang="en-US" sz="1050" dirty="0"/>
+              <a:t>    {"tag": "</a:t>
+            </a:r>
+            <a:r>
+              <a:rPr lang="en-US" sz="1050" b="1" dirty="0">
+                <a:highlight>
+                  <a:srgbClr val="FFFF00"/>
+                </a:highlight>
+              </a:rPr>
+              <a:t>book_table</a:t>
+            </a:r>
+            <a:r>
+              <a:rPr lang="en-US" sz="1050" dirty="0"/>
+              <a:t>",</a:t>
+            </a:r>
+          </a:p>
+          <a:p>
+            <a:r>
+              <a:rPr lang="en-US" sz="1050" dirty="0"/>
+              <a:t>     "patterns": ["Book a table","Can I book a table?", "I want to book a table", "Book seat", "I want to book a seat", "Can I book a seat?", "Could you help me book a table", "Can I reserve a seat?", "I need a reservation", "Can you help me with a reservation", "Can I book a reservation", "Can i have a table?", "Help me reserve a table", "book table"],</a:t>
+            </a:r>
+          </a:p>
+          <a:p>
+            <a:r>
+              <a:rPr lang="en-US" sz="1050" dirty="0"/>
+              <a:t>     "responses": [""]</a:t>
+            </a:r>
+          </a:p>
+          <a:p>
+            <a:r>
+              <a:rPr lang="en-US" sz="1050" dirty="0"/>
+              <a:t>    },</a:t>
+            </a:r>
+          </a:p>
+          <a:p>
+            <a:r>
+              <a:rPr lang="en-US" sz="1050" dirty="0"/>
+              <a:t>    {"tag": "</a:t>
+            </a:r>
+            <a:r>
+              <a:rPr lang="en-US" sz="1050" b="1" dirty="0">
+                <a:highlight>
+                  <a:srgbClr val="FFFF00"/>
+                </a:highlight>
+              </a:rPr>
+              <a:t>goodbye</a:t>
+            </a:r>
+            <a:r>
+              <a:rPr lang="en-US" sz="1050" dirty="0"/>
+              <a:t>",</a:t>
+            </a:r>
+          </a:p>
+          <a:p>
+            <a:r>
+              <a:rPr lang="en-US" sz="1050" dirty="0"/>
+              <a:t>     "patterns": ["cya", "I will leave now","See you later", "Goodbye", "Leaving now, Bye" , "Good bye dear", "Bye dear","I am Leaving", "Have a Good day", "cya later", "I gotta go now", "I gotta rush now", "Thank you, bye", "Bye", "Ok Bye", "Okay goodnight", "Have a good day ahead", "Have a great day", "Tata", "Take care"],</a:t>
+            </a:r>
+          </a:p>
+          <a:p>
+            <a:r>
+              <a:rPr lang="en-US" sz="1050" dirty="0"/>
+              <a:t>     "responses": ["It's been my pleasure serving you!", "Hope to see you again soon! Goodbye!"]</a:t>
+            </a:r>
+          </a:p>
+          <a:p>
+            <a:r>
+              <a:rPr lang="en-US" sz="1050" dirty="0"/>
+              <a:t>    },</a:t>
+            </a:r>
+          </a:p>
+          <a:p>
+            <a:r>
+              <a:rPr lang="en-US" sz="1050" dirty="0"/>
+              <a:t>    {"tag": "</a:t>
+            </a:r>
+            <a:r>
+              <a:rPr lang="en-US" sz="1050" b="1" dirty="0">
+                <a:highlight>
+                  <a:srgbClr val="FFFF00"/>
+                </a:highlight>
+              </a:rPr>
+              <a:t>negative_feedback</a:t>
+            </a:r>
+            <a:r>
+              <a:rPr lang="en-US" sz="1050" dirty="0"/>
+              <a:t>",</a:t>
+            </a:r>
+          </a:p>
+          <a:p>
+            <a:r>
+              <a:rPr lang="en-US" sz="1050" dirty="0"/>
+              <a:t>        "patterns": ["what the fuck is wrong with these noodles?", "The choco lava was so undercooked", "Ew such a waste of money man", "too salty", "we were served cold food", "so disappointed", "the food is pathetic", "hate it"],</a:t>
+            </a:r>
+          </a:p>
+          <a:p>
+            <a:r>
+              <a:rPr lang="en-US" sz="1050" dirty="0"/>
+              <a:t>        "responses": ["Thank you so much for your valuable feedback. We deeply regret the inconvenience. We have forwarded your concerns to the authority and hope to satisfy you better the next time!"]</a:t>
+            </a:r>
+          </a:p>
+          <a:p>
+            <a:r>
+              <a:rPr lang="en-US" sz="1050" dirty="0"/>
+              <a:t>    },</a:t>
+            </a:r>
+          </a:p>
+          <a:p>
+            <a:endParaRPr lang="en-US" sz="1050" dirty="0"/>
+          </a:p>
+          <a:p>
+            <a:r>
+              <a:rPr lang="en-US" sz="1050" dirty="0"/>
+              <a:t>    {"tag": "</a:t>
+            </a:r>
+            <a:r>
+              <a:rPr lang="en-US" sz="1050" b="1" dirty="0">
+                <a:highlight>
+                  <a:srgbClr val="FFFF00"/>
+                </a:highlight>
+              </a:rPr>
+              <a:t>offers</a:t>
+            </a:r>
+            <a:r>
+              <a:rPr lang="en-US" sz="1050" dirty="0"/>
+              <a:t>",</a:t>
+            </a:r>
+          </a:p>
+          <a:p>
+            <a:r>
+              <a:rPr lang="en-US" sz="1050" dirty="0"/>
+              <a:t>        "patterns": ["Could you tell me the pocket friendly options?","Are there any discounts going on?", "Are there any special offers today?", "What about the festive offers?", "Could you please tell me which foods are on discount?", "are there any discounts", "are there any discount offers", "do you have any offers?", "what are the offers going on?", "what are the discounts available?"],</a:t>
+            </a:r>
+          </a:p>
+          <a:p>
+            <a:r>
+              <a:rPr lang="en-US" sz="1050" dirty="0"/>
+              <a:t>        "responses": [""]</a:t>
+            </a:r>
+          </a:p>
+          <a:p>
+            <a:r>
+              <a:rPr lang="en-US" sz="1050" dirty="0"/>
+              <a:t>    },</a:t>
+            </a:r>
+          </a:p>
+          <a:p>
+            <a:endParaRPr lang="en-US" sz="1050" dirty="0"/>
+          </a:p>
+          <a:p>
+            <a:r>
+              <a:rPr lang="en-US" sz="1050" dirty="0"/>
+              <a:t>    {"tag": "</a:t>
+            </a:r>
+            <a:r>
+              <a:rPr lang="en-US" sz="1050" b="1" dirty="0">
+                <a:highlight>
+                  <a:srgbClr val="FFFF00"/>
+                </a:highlight>
+              </a:rPr>
+              <a:t>veg_enquiry</a:t>
+            </a:r>
+            <a:r>
+              <a:rPr lang="en-US" sz="1050" dirty="0"/>
+              <a:t>",</a:t>
+            </a:r>
+          </a:p>
+          <a:p>
+            <a:r>
+              <a:rPr lang="en-US" sz="1050" dirty="0"/>
+              <a:t>        "patterns": ["Can I see the vegetarian options?","Do you have any vegetarian options??", "Please show me your best vegetarian foods", "I dont want to eat non veg", "I am vegetarian", "vegetarian", "is this place vegetarian?"],</a:t>
+            </a:r>
+          </a:p>
+          <a:p>
+            <a:r>
+              <a:rPr lang="en-US" sz="1050" dirty="0"/>
+              <a:t>        "responses": [""]</a:t>
+            </a:r>
+          </a:p>
+          <a:p>
+            <a:r>
+              <a:rPr lang="en-US" sz="1050" dirty="0"/>
+              <a:t>    }</a:t>
+            </a:r>
+          </a:p>
+          <a:p>
+            <a:r>
+              <a:rPr lang="en-US" sz="1050" dirty="0"/>
+              <a:t>]</a:t>
+            </a:r>
+          </a:p>
+          <a:p>
+            <a:r>
+              <a:rPr lang="en-US" sz="1050" dirty="0"/>
+              <a:t>}</a:t>
+            </a:r>
+            <a:endParaRPr lang="en-IN" sz="1050" dirty="0"/>
+          </a:p>
+        </p:txBody>
+      </p:sp>
+      <p:sp>
+        <p:nvSpPr>
+          <p:cNvPr id="8" name="TextBox 7">
+            <a:extLst>
+              <a:ext uri="{FF2B5EF4-FFF2-40B4-BE49-F238E27FC236}">
+                <a16:creationId xmlns:a16="http://schemas.microsoft.com/office/drawing/2014/main" id="{6E387C7C-A9A0-43FC-A91C-E45B2329D778}"/>
+              </a:ext>
+            </a:extLst>
+          </p:cNvPr>
+          <p:cNvSpPr txBox="1"/>
+          <p:nvPr/>
+        </p:nvSpPr>
+        <p:spPr>
+          <a:xfrm>
+            <a:off x="1500325" y="35509"/>
+            <a:ext cx="8300621" cy="646331"/>
+          </a:xfrm>
+          <a:prstGeom prst="rect">
+            <a:avLst/>
+          </a:prstGeom>
+          <a:noFill/>
+        </p:spPr>
+        <p:txBody>
+          <a:bodyPr wrap="square" rtlCol="0">
+            <a:spAutoFit/>
+          </a:bodyPr>
+          <a:lstStyle/>
+          <a:p>
+            <a:r>
+              <a:rPr lang="en-US" sz="3600" dirty="0"/>
+              <a:t>Short JSON file and Clustering of Intents</a:t>
+            </a:r>
+            <a:endParaRPr lang="en-IN" sz="3600" dirty="0"/>
+          </a:p>
+        </p:txBody>
+      </p:sp>
+    </p:spTree>
+    <p:extLst>
+      <p:ext uri="{BB962C8B-B14F-4D97-AF65-F5344CB8AC3E}">
+        <p14:creationId xmlns:p14="http://schemas.microsoft.com/office/powerpoint/2010/main" val="791881904"/>
+      </p:ext>
+    </p:extLst>
+  </p:cSld>
+  <p:clrMapOvr>
+    <a:masterClrMapping/>
+  </p:clrMapOvr>
+</p:sld>
+</file>
+
+<file path=ppt/slides/slide13.xml><?xml version="1.0" encoding="utf-8"?>
+<p:sld xmlns:a="http://schemas.openxmlformats.org/drawingml/2006/main" xmlns:r="http://schemas.openxmlformats.org/officeDocument/2006/relationships" xmlns:p="http://schemas.openxmlformats.org/presentationml/2006/main">
+  <p:cSld>
+    <p:spTree>
+      <p:nvGrpSpPr>
+        <p:cNvPr id="1" name=""/>
+        <p:cNvGrpSpPr/>
+        <p:nvPr/>
+      </p:nvGrpSpPr>
+      <p:grpSpPr>
+        <a:xfrm>
+          <a:off x="0" y="0"/>
+          <a:ext cx="0" cy="0"/>
+          <a:chOff x="0" y="0"/>
+          <a:chExt cx="0" cy="0"/>
+        </a:xfrm>
+      </p:grpSpPr>
+      <p:pic>
+        <p:nvPicPr>
+          <p:cNvPr id="3" name="Picture 2">
+            <a:extLst>
+              <a:ext uri="{FF2B5EF4-FFF2-40B4-BE49-F238E27FC236}">
+                <a16:creationId xmlns:a16="http://schemas.microsoft.com/office/drawing/2014/main" id="{754C7013-9E08-4019-9032-E5980965F550}"/>
+              </a:ext>
+            </a:extLst>
+          </p:cNvPr>
+          <p:cNvPicPr>
+            <a:picLocks noChangeAspect="1"/>
+          </p:cNvPicPr>
+          <p:nvPr/>
+        </p:nvPicPr>
+        <p:blipFill>
+          <a:blip r:embed="rId2"/>
+          <a:stretch>
+            <a:fillRect/>
+          </a:stretch>
+        </p:blipFill>
+        <p:spPr>
+          <a:xfrm>
+            <a:off x="2362263" y="970739"/>
+            <a:ext cx="7467474" cy="5572104"/>
+          </a:xfrm>
+          <a:prstGeom prst="rect">
+            <a:avLst/>
+          </a:prstGeom>
+        </p:spPr>
+      </p:pic>
+      <p:sp>
+        <p:nvSpPr>
+          <p:cNvPr id="4" name="TextBox 3">
+            <a:extLst>
+              <a:ext uri="{FF2B5EF4-FFF2-40B4-BE49-F238E27FC236}">
+                <a16:creationId xmlns:a16="http://schemas.microsoft.com/office/drawing/2014/main" id="{227C624C-212D-4FF4-8CB5-F2AC45A4442C}"/>
+              </a:ext>
+            </a:extLst>
+          </p:cNvPr>
+          <p:cNvSpPr txBox="1"/>
+          <p:nvPr/>
+        </p:nvSpPr>
+        <p:spPr>
+          <a:xfrm>
+            <a:off x="2556768" y="262853"/>
+            <a:ext cx="5992428" cy="707886"/>
+          </a:xfrm>
+          <a:prstGeom prst="rect">
+            <a:avLst/>
+          </a:prstGeom>
+          <a:noFill/>
+        </p:spPr>
+        <p:txBody>
+          <a:bodyPr wrap="square" rtlCol="0">
+            <a:spAutoFit/>
+          </a:bodyPr>
+          <a:lstStyle/>
+          <a:p>
+            <a:pPr algn="ctr"/>
+            <a:r>
+              <a:rPr lang="en-US" sz="4000" dirty="0"/>
+              <a:t>TSNE Projection : Notebook</a:t>
+            </a:r>
+            <a:endParaRPr lang="en-IN" sz="4000" dirty="0"/>
+          </a:p>
+        </p:txBody>
+      </p:sp>
+    </p:spTree>
+    <p:extLst>
+      <p:ext uri="{BB962C8B-B14F-4D97-AF65-F5344CB8AC3E}">
+        <p14:creationId xmlns:p14="http://schemas.microsoft.com/office/powerpoint/2010/main" val="208764522"/>
       </p:ext>
     </p:extLst>
   </p:cSld>
@@ -4621,7 +7671,7 @@
           <a:lstStyle/>
           <a:p>
             <a:pPr algn="ctr"/>
-            <a:endParaRPr lang="en-IN"/>
+            <a:endParaRPr lang="en-IN" dirty="0"/>
           </a:p>
         </p:txBody>
       </p:sp>
@@ -4757,7 +7807,7 @@
           <a:lstStyle/>
           <a:p>
             <a:pPr algn="ctr"/>
-            <a:endParaRPr lang="en-IN"/>
+            <a:endParaRPr lang="en-IN" dirty="0"/>
           </a:p>
         </p:txBody>
       </p:sp>
@@ -5360,7 +8410,7 @@
             <a:lstStyle/>
             <a:p>
               <a:pPr algn="ctr"/>
-              <a:endParaRPr lang="en-IN"/>
+              <a:endParaRPr lang="en-IN" dirty="0"/>
             </a:p>
           </p:txBody>
         </p:sp>
@@ -5589,7 +8639,7 @@
             <a:lstStyle/>
             <a:p>
               <a:pPr algn="ctr"/>
-              <a:endParaRPr lang="en-IN"/>
+              <a:endParaRPr lang="en-IN" dirty="0"/>
             </a:p>
           </p:txBody>
         </p:sp>
@@ -6512,7 +9562,7 @@
             <a:lstStyle/>
             <a:p>
               <a:pPr algn="ctr"/>
-              <a:endParaRPr lang="en-IN"/>
+              <a:endParaRPr lang="en-IN" dirty="0"/>
             </a:p>
           </p:txBody>
         </p:sp>
@@ -6939,6 +9989,73 @@
 </p:sld>
 </file>
 
+<file path=ppt/slides/slide9.xml><?xml version="1.0" encoding="utf-8"?>
+<p:sld xmlns:a="http://schemas.openxmlformats.org/drawingml/2006/main" xmlns:r="http://schemas.openxmlformats.org/officeDocument/2006/relationships" xmlns:p="http://schemas.openxmlformats.org/presentationml/2006/main">
+  <p:cSld>
+    <p:spTree>
+      <p:nvGrpSpPr>
+        <p:cNvPr id="1" name=""/>
+        <p:cNvGrpSpPr/>
+        <p:nvPr/>
+      </p:nvGrpSpPr>
+      <p:grpSpPr>
+        <a:xfrm>
+          <a:off x="0" y="0"/>
+          <a:ext cx="0" cy="0"/>
+          <a:chOff x="0" y="0"/>
+          <a:chExt cx="0" cy="0"/>
+        </a:xfrm>
+      </p:grpSpPr>
+      <p:sp>
+        <p:nvSpPr>
+          <p:cNvPr id="2" name="TextBox 1">
+            <a:extLst>
+              <a:ext uri="{FF2B5EF4-FFF2-40B4-BE49-F238E27FC236}">
+                <a16:creationId xmlns:a16="http://schemas.microsoft.com/office/drawing/2014/main" id="{172FE043-FEA1-45B4-9933-1FFEB7CAF026}"/>
+              </a:ext>
+            </a:extLst>
+          </p:cNvPr>
+          <p:cNvSpPr txBox="1"/>
+          <p:nvPr/>
+        </p:nvSpPr>
+        <p:spPr>
+          <a:xfrm>
+            <a:off x="461639" y="2698811"/>
+            <a:ext cx="11336784" cy="923330"/>
+          </a:xfrm>
+          <a:prstGeom prst="rect">
+            <a:avLst/>
+          </a:prstGeom>
+          <a:noFill/>
+        </p:spPr>
+        <p:txBody>
+          <a:bodyPr wrap="square" rtlCol="0">
+            <a:spAutoFit/>
+          </a:bodyPr>
+          <a:lstStyle/>
+          <a:p>
+            <a:pPr algn="ctr"/>
+            <a:r>
+              <a:rPr lang="en-US" sz="5400" dirty="0"/>
+              <a:t>Project Architecture / Project Flow</a:t>
+            </a:r>
+            <a:endParaRPr lang="en-IN" sz="5400" dirty="0"/>
+          </a:p>
+        </p:txBody>
+      </p:sp>
+    </p:spTree>
+    <p:extLst>
+      <p:ext uri="{BB962C8B-B14F-4D97-AF65-F5344CB8AC3E}">
+        <p14:creationId xmlns:p14="http://schemas.microsoft.com/office/powerpoint/2010/main" val="1212122760"/>
+      </p:ext>
+    </p:extLst>
+  </p:cSld>
+  <p:clrMapOvr>
+    <a:masterClrMapping/>
+  </p:clrMapOvr>
+</p:sld>
+</file>
+
 <file path=ppt/theme/theme1.xml><?xml version="1.0" encoding="utf-8"?>
 <a:theme xmlns:a="http://schemas.openxmlformats.org/drawingml/2006/main" name="Office Theme">
   <a:themeElements>
